--- a/检测间隔.pptx
+++ b/检测间隔.pptx
@@ -6,6 +6,7 @@
   </p:sldMasterIdLst>
   <p:sldIdLst>
     <p:sldId id="256" r:id="rId2"/>
+    <p:sldId id="257" r:id="rId3"/>
   </p:sldIdLst>
   <p:sldSz cx="12192000" cy="6858000"/>
   <p:notesSz cx="6858000" cy="9144000"/>
@@ -104,6 +105,11 @@
       </a:defRPr>
     </a:lvl9pPr>
   </p:defaultTextStyle>
+  <p:extLst>
+    <p:ext uri="{EFAFB233-063F-42B5-8137-9DF3F51BA10A}">
+      <p15:sldGuideLst xmlns:p15="http://schemas.microsoft.com/office/powerpoint/2012/main"/>
+    </p:ext>
+  </p:extLst>
 </p:presentation>
 </file>
 
@@ -254,7 +260,7 @@
           <a:p>
             <a:fld id="{B0A481C9-A10A-4899-889D-79F51DB4956A}" type="datetimeFigureOut">
               <a:rPr lang="zh-CN" altLang="en-US" smtClean="0"/>
-              <a:t>2020/8/11 Tuesday</a:t>
+              <a:t>2020/8/13 Thursday</a:t>
             </a:fld>
             <a:endParaRPr lang="zh-CN" altLang="en-US"/>
           </a:p>
@@ -452,7 +458,7 @@
           <a:p>
             <a:fld id="{B0A481C9-A10A-4899-889D-79F51DB4956A}" type="datetimeFigureOut">
               <a:rPr lang="zh-CN" altLang="en-US" smtClean="0"/>
-              <a:t>2020/8/11 Tuesday</a:t>
+              <a:t>2020/8/13 Thursday</a:t>
             </a:fld>
             <a:endParaRPr lang="zh-CN" altLang="en-US"/>
           </a:p>
@@ -660,7 +666,7 @@
           <a:p>
             <a:fld id="{B0A481C9-A10A-4899-889D-79F51DB4956A}" type="datetimeFigureOut">
               <a:rPr lang="zh-CN" altLang="en-US" smtClean="0"/>
-              <a:t>2020/8/11 Tuesday</a:t>
+              <a:t>2020/8/13 Thursday</a:t>
             </a:fld>
             <a:endParaRPr lang="zh-CN" altLang="en-US"/>
           </a:p>
@@ -858,7 +864,7 @@
           <a:p>
             <a:fld id="{B0A481C9-A10A-4899-889D-79F51DB4956A}" type="datetimeFigureOut">
               <a:rPr lang="zh-CN" altLang="en-US" smtClean="0"/>
-              <a:t>2020/8/11 Tuesday</a:t>
+              <a:t>2020/8/13 Thursday</a:t>
             </a:fld>
             <a:endParaRPr lang="zh-CN" altLang="en-US"/>
           </a:p>
@@ -1133,7 +1139,7 @@
           <a:p>
             <a:fld id="{B0A481C9-A10A-4899-889D-79F51DB4956A}" type="datetimeFigureOut">
               <a:rPr lang="zh-CN" altLang="en-US" smtClean="0"/>
-              <a:t>2020/8/11 Tuesday</a:t>
+              <a:t>2020/8/13 Thursday</a:t>
             </a:fld>
             <a:endParaRPr lang="zh-CN" altLang="en-US"/>
           </a:p>
@@ -1398,7 +1404,7 @@
           <a:p>
             <a:fld id="{B0A481C9-A10A-4899-889D-79F51DB4956A}" type="datetimeFigureOut">
               <a:rPr lang="zh-CN" altLang="en-US" smtClean="0"/>
-              <a:t>2020/8/11 Tuesday</a:t>
+              <a:t>2020/8/13 Thursday</a:t>
             </a:fld>
             <a:endParaRPr lang="zh-CN" altLang="en-US"/>
           </a:p>
@@ -1810,7 +1816,7 @@
           <a:p>
             <a:fld id="{B0A481C9-A10A-4899-889D-79F51DB4956A}" type="datetimeFigureOut">
               <a:rPr lang="zh-CN" altLang="en-US" smtClean="0"/>
-              <a:t>2020/8/11 Tuesday</a:t>
+              <a:t>2020/8/13 Thursday</a:t>
             </a:fld>
             <a:endParaRPr lang="zh-CN" altLang="en-US"/>
           </a:p>
@@ -1951,7 +1957,7 @@
           <a:p>
             <a:fld id="{B0A481C9-A10A-4899-889D-79F51DB4956A}" type="datetimeFigureOut">
               <a:rPr lang="zh-CN" altLang="en-US" smtClean="0"/>
-              <a:t>2020/8/11 Tuesday</a:t>
+              <a:t>2020/8/13 Thursday</a:t>
             </a:fld>
             <a:endParaRPr lang="zh-CN" altLang="en-US"/>
           </a:p>
@@ -2064,7 +2070,7 @@
           <a:p>
             <a:fld id="{B0A481C9-A10A-4899-889D-79F51DB4956A}" type="datetimeFigureOut">
               <a:rPr lang="zh-CN" altLang="en-US" smtClean="0"/>
-              <a:t>2020/8/11 Tuesday</a:t>
+              <a:t>2020/8/13 Thursday</a:t>
             </a:fld>
             <a:endParaRPr lang="zh-CN" altLang="en-US"/>
           </a:p>
@@ -2375,7 +2381,7 @@
           <a:p>
             <a:fld id="{B0A481C9-A10A-4899-889D-79F51DB4956A}" type="datetimeFigureOut">
               <a:rPr lang="zh-CN" altLang="en-US" smtClean="0"/>
-              <a:t>2020/8/11 Tuesday</a:t>
+              <a:t>2020/8/13 Thursday</a:t>
             </a:fld>
             <a:endParaRPr lang="zh-CN" altLang="en-US"/>
           </a:p>
@@ -2663,7 +2669,7 @@
           <a:p>
             <a:fld id="{B0A481C9-A10A-4899-889D-79F51DB4956A}" type="datetimeFigureOut">
               <a:rPr lang="zh-CN" altLang="en-US" smtClean="0"/>
-              <a:t>2020/8/11 Tuesday</a:t>
+              <a:t>2020/8/13 Thursday</a:t>
             </a:fld>
             <a:endParaRPr lang="zh-CN" altLang="en-US"/>
           </a:p>
@@ -2904,7 +2910,7 @@
           <a:p>
             <a:fld id="{B0A481C9-A10A-4899-889D-79F51DB4956A}" type="datetimeFigureOut">
               <a:rPr lang="zh-CN" altLang="en-US" smtClean="0"/>
-              <a:t>2020/8/11 Tuesday</a:t>
+              <a:t>2020/8/13 Thursday</a:t>
             </a:fld>
             <a:endParaRPr lang="zh-CN" altLang="en-US"/>
           </a:p>
@@ -4763,6 +4769,3553 @@
 </p:sld>
 </file>
 
+<file path=ppt/slides/slide2.xml><?xml version="1.0" encoding="utf-8"?>
+<p:sld xmlns:a="http://schemas.openxmlformats.org/drawingml/2006/main" xmlns:r="http://schemas.openxmlformats.org/officeDocument/2006/relationships" xmlns:p="http://schemas.openxmlformats.org/presentationml/2006/main">
+  <p:cSld>
+    <p:spTree>
+      <p:nvGrpSpPr>
+        <p:cNvPr id="1" name=""/>
+        <p:cNvGrpSpPr/>
+        <p:nvPr/>
+      </p:nvGrpSpPr>
+      <p:grpSpPr>
+        <a:xfrm>
+          <a:off x="0" y="0"/>
+          <a:ext cx="0" cy="0"/>
+          <a:chOff x="0" y="0"/>
+          <a:chExt cx="0" cy="0"/>
+        </a:xfrm>
+      </p:grpSpPr>
+      <p:sp>
+        <p:nvSpPr>
+          <p:cNvPr id="3" name="矩形 2">
+            <a:extLst>
+              <a:ext uri="{FF2B5EF4-FFF2-40B4-BE49-F238E27FC236}">
+                <a16:creationId xmlns:a16="http://schemas.microsoft.com/office/drawing/2014/main" id="{9D41201F-10C2-4A9E-AC79-915904C5DB66}"/>
+              </a:ext>
+            </a:extLst>
+          </p:cNvPr>
+          <p:cNvSpPr/>
+          <p:nvPr/>
+        </p:nvSpPr>
+        <p:spPr>
+          <a:xfrm>
+            <a:off x="14392503" y="523463"/>
+            <a:ext cx="4227444" cy="523460"/>
+          </a:xfrm>
+          <a:prstGeom prst="rect">
+            <a:avLst/>
+          </a:prstGeom>
+          <a:solidFill>
+            <a:srgbClr val="92D050"/>
+          </a:solidFill>
+        </p:spPr>
+        <p:style>
+          <a:lnRef idx="2">
+            <a:schemeClr val="accent1">
+              <a:shade val="50000"/>
+            </a:schemeClr>
+          </a:lnRef>
+          <a:fillRef idx="1">
+            <a:schemeClr val="accent1"/>
+          </a:fillRef>
+          <a:effectRef idx="0">
+            <a:schemeClr val="accent1"/>
+          </a:effectRef>
+          <a:fontRef idx="minor">
+            <a:schemeClr val="lt1"/>
+          </a:fontRef>
+        </p:style>
+        <p:txBody>
+          <a:bodyPr rtlCol="0" anchor="ctr"/>
+          <a:lstStyle/>
+          <a:p>
+            <a:pPr algn="ctr"/>
+            <a:r>
+              <a:rPr lang="en-US" altLang="zh-CN" dirty="0">
+                <a:solidFill>
+                  <a:schemeClr val="tx1"/>
+                </a:solidFill>
+                <a:latin typeface="Times New Roman" panose="02020603050405020304" pitchFamily="18" charset="0"/>
+                <a:ea typeface="宋体" panose="02010600030101010101" pitchFamily="2" charset="-122"/>
+                <a:cs typeface="Times New Roman" panose="02020603050405020304" pitchFamily="18" charset="0"/>
+              </a:rPr>
+              <a:t>Raw Image(416*416*3)</a:t>
+            </a:r>
+          </a:p>
+        </p:txBody>
+      </p:sp>
+      <p:sp>
+        <p:nvSpPr>
+          <p:cNvPr id="5" name="矩形 4">
+            <a:extLst>
+              <a:ext uri="{FF2B5EF4-FFF2-40B4-BE49-F238E27FC236}">
+                <a16:creationId xmlns:a16="http://schemas.microsoft.com/office/drawing/2014/main" id="{4A02D9D2-81A1-40A5-82F4-13C37615CB13}"/>
+              </a:ext>
+            </a:extLst>
+          </p:cNvPr>
+          <p:cNvSpPr/>
+          <p:nvPr/>
+        </p:nvSpPr>
+        <p:spPr>
+          <a:xfrm>
+            <a:off x="14392503" y="1345095"/>
+            <a:ext cx="4227444" cy="523460"/>
+          </a:xfrm>
+          <a:prstGeom prst="rect">
+            <a:avLst/>
+          </a:prstGeom>
+          <a:solidFill>
+            <a:srgbClr val="92D050"/>
+          </a:solidFill>
+        </p:spPr>
+        <p:style>
+          <a:lnRef idx="2">
+            <a:schemeClr val="accent1">
+              <a:shade val="50000"/>
+            </a:schemeClr>
+          </a:lnRef>
+          <a:fillRef idx="1">
+            <a:schemeClr val="accent1"/>
+          </a:fillRef>
+          <a:effectRef idx="0">
+            <a:schemeClr val="accent1"/>
+          </a:effectRef>
+          <a:fontRef idx="minor">
+            <a:schemeClr val="lt1"/>
+          </a:fontRef>
+        </p:style>
+        <p:txBody>
+          <a:bodyPr rtlCol="0" anchor="ctr"/>
+          <a:lstStyle/>
+          <a:p>
+            <a:pPr algn="ctr"/>
+            <a:r>
+              <a:rPr lang="en-US" altLang="zh-CN" dirty="0">
+                <a:solidFill>
+                  <a:schemeClr val="tx1"/>
+                </a:solidFill>
+                <a:latin typeface="Times New Roman" panose="02020603050405020304" pitchFamily="18" charset="0"/>
+                <a:ea typeface="宋体" panose="02010600030101010101" pitchFamily="2" charset="-122"/>
+                <a:cs typeface="Times New Roman" panose="02020603050405020304" pitchFamily="18" charset="0"/>
+              </a:rPr>
+              <a:t>DarknetConv2D_BN_Mish(416*416*32)</a:t>
+            </a:r>
+            <a:endParaRPr lang="zh-CN" altLang="en-US" dirty="0">
+              <a:solidFill>
+                <a:schemeClr val="tx1"/>
+              </a:solidFill>
+              <a:latin typeface="Times New Roman" panose="02020603050405020304" pitchFamily="18" charset="0"/>
+              <a:ea typeface="宋体" panose="02010600030101010101" pitchFamily="2" charset="-122"/>
+              <a:cs typeface="Times New Roman" panose="02020603050405020304" pitchFamily="18" charset="0"/>
+            </a:endParaRPr>
+          </a:p>
+        </p:txBody>
+      </p:sp>
+      <p:sp>
+        <p:nvSpPr>
+          <p:cNvPr id="7" name="矩形 6">
+            <a:extLst>
+              <a:ext uri="{FF2B5EF4-FFF2-40B4-BE49-F238E27FC236}">
+                <a16:creationId xmlns:a16="http://schemas.microsoft.com/office/drawing/2014/main" id="{7E168AA5-6417-4A5E-B6BA-1A7C3D30EE5E}"/>
+              </a:ext>
+            </a:extLst>
+          </p:cNvPr>
+          <p:cNvSpPr/>
+          <p:nvPr/>
+        </p:nvSpPr>
+        <p:spPr>
+          <a:xfrm>
+            <a:off x="14392503" y="2166727"/>
+            <a:ext cx="4227444" cy="523460"/>
+          </a:xfrm>
+          <a:prstGeom prst="rect">
+            <a:avLst/>
+          </a:prstGeom>
+          <a:solidFill>
+            <a:srgbClr val="92D050"/>
+          </a:solidFill>
+        </p:spPr>
+        <p:style>
+          <a:lnRef idx="2">
+            <a:schemeClr val="accent1">
+              <a:shade val="50000"/>
+            </a:schemeClr>
+          </a:lnRef>
+          <a:fillRef idx="1">
+            <a:schemeClr val="accent1"/>
+          </a:fillRef>
+          <a:effectRef idx="0">
+            <a:schemeClr val="accent1"/>
+          </a:effectRef>
+          <a:fontRef idx="minor">
+            <a:schemeClr val="lt1"/>
+          </a:fontRef>
+        </p:style>
+        <p:txBody>
+          <a:bodyPr rtlCol="0" anchor="ctr"/>
+          <a:lstStyle/>
+          <a:p>
+            <a:pPr algn="ctr"/>
+            <a:r>
+              <a:rPr lang="en-US" altLang="zh-CN" dirty="0">
+                <a:solidFill>
+                  <a:schemeClr val="tx1"/>
+                </a:solidFill>
+                <a:latin typeface="Times New Roman" panose="02020603050405020304" pitchFamily="18" charset="0"/>
+                <a:ea typeface="宋体" panose="02010600030101010101" pitchFamily="2" charset="-122"/>
+                <a:cs typeface="Times New Roman" panose="02020603050405020304" pitchFamily="18" charset="0"/>
+              </a:rPr>
+              <a:t>Resblock_body(208*208*64) * 1</a:t>
+            </a:r>
+            <a:endParaRPr lang="zh-CN" altLang="en-US" dirty="0">
+              <a:solidFill>
+                <a:schemeClr val="tx1"/>
+              </a:solidFill>
+              <a:latin typeface="Times New Roman" panose="02020603050405020304" pitchFamily="18" charset="0"/>
+              <a:ea typeface="宋体" panose="02010600030101010101" pitchFamily="2" charset="-122"/>
+              <a:cs typeface="Times New Roman" panose="02020603050405020304" pitchFamily="18" charset="0"/>
+            </a:endParaRPr>
+          </a:p>
+        </p:txBody>
+      </p:sp>
+      <p:cxnSp>
+        <p:nvCxnSpPr>
+          <p:cNvPr id="11" name="直接箭头连接符 10">
+            <a:extLst>
+              <a:ext uri="{FF2B5EF4-FFF2-40B4-BE49-F238E27FC236}">
+                <a16:creationId xmlns:a16="http://schemas.microsoft.com/office/drawing/2014/main" id="{63EF0D33-CF82-4925-B9B5-4E61FEC3C880}"/>
+              </a:ext>
+            </a:extLst>
+          </p:cNvPr>
+          <p:cNvCxnSpPr>
+            <a:stCxn id="3" idx="2"/>
+            <a:endCxn id="5" idx="0"/>
+          </p:cNvCxnSpPr>
+          <p:nvPr/>
+        </p:nvCxnSpPr>
+        <p:spPr>
+          <a:xfrm>
+            <a:off x="16506225" y="1046923"/>
+            <a:ext cx="0" cy="298172"/>
+          </a:xfrm>
+          <a:prstGeom prst="straightConnector1">
+            <a:avLst/>
+          </a:prstGeom>
+          <a:ln w="57150">
+            <a:solidFill>
+              <a:schemeClr val="tx1"/>
+            </a:solidFill>
+            <a:tailEnd type="triangle"/>
+          </a:ln>
+        </p:spPr>
+        <p:style>
+          <a:lnRef idx="1">
+            <a:schemeClr val="accent1"/>
+          </a:lnRef>
+          <a:fillRef idx="0">
+            <a:schemeClr val="accent1"/>
+          </a:fillRef>
+          <a:effectRef idx="0">
+            <a:schemeClr val="accent1"/>
+          </a:effectRef>
+          <a:fontRef idx="minor">
+            <a:schemeClr val="tx1"/>
+          </a:fontRef>
+        </p:style>
+      </p:cxnSp>
+      <p:cxnSp>
+        <p:nvCxnSpPr>
+          <p:cNvPr id="35" name="直接箭头连接符 34">
+            <a:extLst>
+              <a:ext uri="{FF2B5EF4-FFF2-40B4-BE49-F238E27FC236}">
+                <a16:creationId xmlns:a16="http://schemas.microsoft.com/office/drawing/2014/main" id="{751D47DE-DFBF-4F95-9E25-C1E9C7604386}"/>
+              </a:ext>
+            </a:extLst>
+          </p:cNvPr>
+          <p:cNvCxnSpPr>
+            <a:cxnSpLocks/>
+            <a:stCxn id="5" idx="2"/>
+            <a:endCxn id="7" idx="0"/>
+          </p:cNvCxnSpPr>
+          <p:nvPr/>
+        </p:nvCxnSpPr>
+        <p:spPr>
+          <a:xfrm>
+            <a:off x="16506225" y="1868555"/>
+            <a:ext cx="0" cy="298172"/>
+          </a:xfrm>
+          <a:prstGeom prst="straightConnector1">
+            <a:avLst/>
+          </a:prstGeom>
+          <a:ln w="57150">
+            <a:solidFill>
+              <a:schemeClr val="tx1"/>
+            </a:solidFill>
+            <a:tailEnd type="triangle"/>
+          </a:ln>
+        </p:spPr>
+        <p:style>
+          <a:lnRef idx="1">
+            <a:schemeClr val="accent1"/>
+          </a:lnRef>
+          <a:fillRef idx="0">
+            <a:schemeClr val="accent1"/>
+          </a:fillRef>
+          <a:effectRef idx="0">
+            <a:schemeClr val="accent1"/>
+          </a:effectRef>
+          <a:fontRef idx="minor">
+            <a:schemeClr val="tx1"/>
+          </a:fontRef>
+        </p:style>
+      </p:cxnSp>
+      <p:sp>
+        <p:nvSpPr>
+          <p:cNvPr id="19" name="矩形 18">
+            <a:extLst>
+              <a:ext uri="{FF2B5EF4-FFF2-40B4-BE49-F238E27FC236}">
+                <a16:creationId xmlns:a16="http://schemas.microsoft.com/office/drawing/2014/main" id="{39A2F165-9A17-4C47-9A3D-634646585635}"/>
+              </a:ext>
+            </a:extLst>
+          </p:cNvPr>
+          <p:cNvSpPr/>
+          <p:nvPr/>
+        </p:nvSpPr>
+        <p:spPr>
+          <a:xfrm>
+            <a:off x="14392503" y="2988359"/>
+            <a:ext cx="4227444" cy="523460"/>
+          </a:xfrm>
+          <a:prstGeom prst="rect">
+            <a:avLst/>
+          </a:prstGeom>
+          <a:solidFill>
+            <a:srgbClr val="92D050"/>
+          </a:solidFill>
+        </p:spPr>
+        <p:style>
+          <a:lnRef idx="2">
+            <a:schemeClr val="accent1">
+              <a:shade val="50000"/>
+            </a:schemeClr>
+          </a:lnRef>
+          <a:fillRef idx="1">
+            <a:schemeClr val="accent1"/>
+          </a:fillRef>
+          <a:effectRef idx="0">
+            <a:schemeClr val="accent1"/>
+          </a:effectRef>
+          <a:fontRef idx="minor">
+            <a:schemeClr val="lt1"/>
+          </a:fontRef>
+        </p:style>
+        <p:txBody>
+          <a:bodyPr rtlCol="0" anchor="ctr"/>
+          <a:lstStyle/>
+          <a:p>
+            <a:pPr algn="ctr"/>
+            <a:r>
+              <a:rPr lang="en-US" altLang="zh-CN" dirty="0">
+                <a:solidFill>
+                  <a:schemeClr val="tx1"/>
+                </a:solidFill>
+                <a:latin typeface="Times New Roman" panose="02020603050405020304" pitchFamily="18" charset="0"/>
+                <a:ea typeface="宋体" panose="02010600030101010101" pitchFamily="2" charset="-122"/>
+                <a:cs typeface="Times New Roman" panose="02020603050405020304" pitchFamily="18" charset="0"/>
+              </a:rPr>
+              <a:t>Resblock_body(104*104*128) * 2</a:t>
+            </a:r>
+            <a:endParaRPr lang="zh-CN" altLang="en-US" dirty="0">
+              <a:solidFill>
+                <a:schemeClr val="tx1"/>
+              </a:solidFill>
+              <a:latin typeface="Times New Roman" panose="02020603050405020304" pitchFamily="18" charset="0"/>
+              <a:ea typeface="宋体" panose="02010600030101010101" pitchFamily="2" charset="-122"/>
+              <a:cs typeface="Times New Roman" panose="02020603050405020304" pitchFamily="18" charset="0"/>
+            </a:endParaRPr>
+          </a:p>
+        </p:txBody>
+      </p:sp>
+      <p:sp>
+        <p:nvSpPr>
+          <p:cNvPr id="21" name="矩形 20">
+            <a:extLst>
+              <a:ext uri="{FF2B5EF4-FFF2-40B4-BE49-F238E27FC236}">
+                <a16:creationId xmlns:a16="http://schemas.microsoft.com/office/drawing/2014/main" id="{00AC82DD-1267-4A81-80E0-03D95B349FCB}"/>
+              </a:ext>
+            </a:extLst>
+          </p:cNvPr>
+          <p:cNvSpPr/>
+          <p:nvPr/>
+        </p:nvSpPr>
+        <p:spPr>
+          <a:xfrm>
+            <a:off x="14392503" y="3809991"/>
+            <a:ext cx="4227444" cy="523460"/>
+          </a:xfrm>
+          <a:prstGeom prst="rect">
+            <a:avLst/>
+          </a:prstGeom>
+          <a:solidFill>
+            <a:srgbClr val="92D050"/>
+          </a:solidFill>
+        </p:spPr>
+        <p:style>
+          <a:lnRef idx="2">
+            <a:schemeClr val="accent1">
+              <a:shade val="50000"/>
+            </a:schemeClr>
+          </a:lnRef>
+          <a:fillRef idx="1">
+            <a:schemeClr val="accent1"/>
+          </a:fillRef>
+          <a:effectRef idx="0">
+            <a:schemeClr val="accent1"/>
+          </a:effectRef>
+          <a:fontRef idx="minor">
+            <a:schemeClr val="lt1"/>
+          </a:fontRef>
+        </p:style>
+        <p:txBody>
+          <a:bodyPr rtlCol="0" anchor="ctr"/>
+          <a:lstStyle/>
+          <a:p>
+            <a:pPr algn="ctr"/>
+            <a:r>
+              <a:rPr lang="en-US" altLang="zh-CN" dirty="0">
+                <a:solidFill>
+                  <a:schemeClr val="tx1"/>
+                </a:solidFill>
+                <a:latin typeface="Times New Roman" panose="02020603050405020304" pitchFamily="18" charset="0"/>
+                <a:ea typeface="宋体" panose="02010600030101010101" pitchFamily="2" charset="-122"/>
+                <a:cs typeface="Times New Roman" panose="02020603050405020304" pitchFamily="18" charset="0"/>
+              </a:rPr>
+              <a:t>Resblock_body(52*52*256) * 8</a:t>
+            </a:r>
+            <a:endParaRPr lang="zh-CN" altLang="en-US" dirty="0">
+              <a:solidFill>
+                <a:schemeClr val="tx1"/>
+              </a:solidFill>
+              <a:latin typeface="Times New Roman" panose="02020603050405020304" pitchFamily="18" charset="0"/>
+              <a:ea typeface="宋体" panose="02010600030101010101" pitchFamily="2" charset="-122"/>
+              <a:cs typeface="Times New Roman" panose="02020603050405020304" pitchFamily="18" charset="0"/>
+            </a:endParaRPr>
+          </a:p>
+        </p:txBody>
+      </p:sp>
+      <p:sp>
+        <p:nvSpPr>
+          <p:cNvPr id="23" name="矩形 22">
+            <a:extLst>
+              <a:ext uri="{FF2B5EF4-FFF2-40B4-BE49-F238E27FC236}">
+                <a16:creationId xmlns:a16="http://schemas.microsoft.com/office/drawing/2014/main" id="{DA279D01-E338-49CA-AFE0-835C70B3EC9E}"/>
+              </a:ext>
+            </a:extLst>
+          </p:cNvPr>
+          <p:cNvSpPr/>
+          <p:nvPr/>
+        </p:nvSpPr>
+        <p:spPr>
+          <a:xfrm>
+            <a:off x="14392503" y="4631623"/>
+            <a:ext cx="4227444" cy="523460"/>
+          </a:xfrm>
+          <a:prstGeom prst="rect">
+            <a:avLst/>
+          </a:prstGeom>
+          <a:solidFill>
+            <a:srgbClr val="92D050"/>
+          </a:solidFill>
+        </p:spPr>
+        <p:style>
+          <a:lnRef idx="2">
+            <a:schemeClr val="accent1">
+              <a:shade val="50000"/>
+            </a:schemeClr>
+          </a:lnRef>
+          <a:fillRef idx="1">
+            <a:schemeClr val="accent1"/>
+          </a:fillRef>
+          <a:effectRef idx="0">
+            <a:schemeClr val="accent1"/>
+          </a:effectRef>
+          <a:fontRef idx="minor">
+            <a:schemeClr val="lt1"/>
+          </a:fontRef>
+        </p:style>
+        <p:txBody>
+          <a:bodyPr rtlCol="0" anchor="ctr"/>
+          <a:lstStyle/>
+          <a:p>
+            <a:pPr algn="ctr"/>
+            <a:r>
+              <a:rPr lang="en-US" altLang="zh-CN" dirty="0">
+                <a:solidFill>
+                  <a:schemeClr val="tx1"/>
+                </a:solidFill>
+                <a:latin typeface="Times New Roman" panose="02020603050405020304" pitchFamily="18" charset="0"/>
+                <a:ea typeface="宋体" panose="02010600030101010101" pitchFamily="2" charset="-122"/>
+                <a:cs typeface="Times New Roman" panose="02020603050405020304" pitchFamily="18" charset="0"/>
+              </a:rPr>
+              <a:t>Resblock_body(26*26*512) * 8</a:t>
+            </a:r>
+            <a:endParaRPr lang="zh-CN" altLang="en-US" dirty="0">
+              <a:solidFill>
+                <a:schemeClr val="tx1"/>
+              </a:solidFill>
+              <a:latin typeface="Times New Roman" panose="02020603050405020304" pitchFamily="18" charset="0"/>
+              <a:ea typeface="宋体" panose="02010600030101010101" pitchFamily="2" charset="-122"/>
+              <a:cs typeface="Times New Roman" panose="02020603050405020304" pitchFamily="18" charset="0"/>
+            </a:endParaRPr>
+          </a:p>
+        </p:txBody>
+      </p:sp>
+      <p:sp>
+        <p:nvSpPr>
+          <p:cNvPr id="25" name="矩形 24">
+            <a:extLst>
+              <a:ext uri="{FF2B5EF4-FFF2-40B4-BE49-F238E27FC236}">
+                <a16:creationId xmlns:a16="http://schemas.microsoft.com/office/drawing/2014/main" id="{BDC6F80B-94BA-4D5C-99F9-16C9E81C1765}"/>
+              </a:ext>
+            </a:extLst>
+          </p:cNvPr>
+          <p:cNvSpPr/>
+          <p:nvPr/>
+        </p:nvSpPr>
+        <p:spPr>
+          <a:xfrm>
+            <a:off x="14392503" y="5453255"/>
+            <a:ext cx="4227444" cy="523460"/>
+          </a:xfrm>
+          <a:prstGeom prst="rect">
+            <a:avLst/>
+          </a:prstGeom>
+          <a:solidFill>
+            <a:srgbClr val="92D050"/>
+          </a:solidFill>
+        </p:spPr>
+        <p:style>
+          <a:lnRef idx="2">
+            <a:schemeClr val="accent1">
+              <a:shade val="50000"/>
+            </a:schemeClr>
+          </a:lnRef>
+          <a:fillRef idx="1">
+            <a:schemeClr val="accent1"/>
+          </a:fillRef>
+          <a:effectRef idx="0">
+            <a:schemeClr val="accent1"/>
+          </a:effectRef>
+          <a:fontRef idx="minor">
+            <a:schemeClr val="lt1"/>
+          </a:fontRef>
+        </p:style>
+        <p:txBody>
+          <a:bodyPr rtlCol="0" anchor="ctr"/>
+          <a:lstStyle/>
+          <a:p>
+            <a:pPr algn="ctr"/>
+            <a:r>
+              <a:rPr lang="en-US" altLang="zh-CN" dirty="0">
+                <a:solidFill>
+                  <a:schemeClr val="tx1"/>
+                </a:solidFill>
+                <a:latin typeface="Times New Roman" panose="02020603050405020304" pitchFamily="18" charset="0"/>
+                <a:ea typeface="宋体" panose="02010600030101010101" pitchFamily="2" charset="-122"/>
+                <a:cs typeface="Times New Roman" panose="02020603050405020304" pitchFamily="18" charset="0"/>
+              </a:rPr>
+              <a:t>Resblock_body(13*13*1024) * 4</a:t>
+            </a:r>
+            <a:endParaRPr lang="zh-CN" altLang="en-US" dirty="0">
+              <a:solidFill>
+                <a:schemeClr val="tx1"/>
+              </a:solidFill>
+              <a:latin typeface="Times New Roman" panose="02020603050405020304" pitchFamily="18" charset="0"/>
+              <a:ea typeface="宋体" panose="02010600030101010101" pitchFamily="2" charset="-122"/>
+              <a:cs typeface="Times New Roman" panose="02020603050405020304" pitchFamily="18" charset="0"/>
+            </a:endParaRPr>
+          </a:p>
+        </p:txBody>
+      </p:sp>
+      <p:sp>
+        <p:nvSpPr>
+          <p:cNvPr id="33" name="矩形 32">
+            <a:extLst>
+              <a:ext uri="{FF2B5EF4-FFF2-40B4-BE49-F238E27FC236}">
+                <a16:creationId xmlns:a16="http://schemas.microsoft.com/office/drawing/2014/main" id="{8E1AFC24-8E6E-42A2-9A2E-A83ACF64538A}"/>
+              </a:ext>
+            </a:extLst>
+          </p:cNvPr>
+          <p:cNvSpPr/>
+          <p:nvPr/>
+        </p:nvSpPr>
+        <p:spPr>
+          <a:xfrm>
+            <a:off x="15760239" y="6274887"/>
+            <a:ext cx="1490868" cy="523460"/>
+          </a:xfrm>
+          <a:prstGeom prst="rect">
+            <a:avLst/>
+          </a:prstGeom>
+          <a:solidFill>
+            <a:srgbClr val="92D050"/>
+          </a:solidFill>
+        </p:spPr>
+        <p:style>
+          <a:lnRef idx="2">
+            <a:schemeClr val="accent1">
+              <a:shade val="50000"/>
+            </a:schemeClr>
+          </a:lnRef>
+          <a:fillRef idx="1">
+            <a:schemeClr val="accent1"/>
+          </a:fillRef>
+          <a:effectRef idx="0">
+            <a:schemeClr val="accent1"/>
+          </a:effectRef>
+          <a:fontRef idx="minor">
+            <a:schemeClr val="lt1"/>
+          </a:fontRef>
+        </p:style>
+        <p:txBody>
+          <a:bodyPr rtlCol="0" anchor="ctr"/>
+          <a:lstStyle/>
+          <a:p>
+            <a:pPr algn="ctr"/>
+            <a:r>
+              <a:rPr lang="en-US" altLang="zh-CN" dirty="0">
+                <a:solidFill>
+                  <a:schemeClr val="tx1"/>
+                </a:solidFill>
+                <a:latin typeface="Times New Roman" panose="02020603050405020304" pitchFamily="18" charset="0"/>
+                <a:ea typeface="宋体" panose="02010600030101010101" pitchFamily="2" charset="-122"/>
+                <a:cs typeface="Times New Roman" panose="02020603050405020304" pitchFamily="18" charset="0"/>
+              </a:rPr>
+              <a:t>Conv * 3</a:t>
+            </a:r>
+            <a:endParaRPr lang="zh-CN" altLang="en-US" dirty="0">
+              <a:solidFill>
+                <a:schemeClr val="tx1"/>
+              </a:solidFill>
+              <a:latin typeface="Times New Roman" panose="02020603050405020304" pitchFamily="18" charset="0"/>
+              <a:ea typeface="宋体" panose="02010600030101010101" pitchFamily="2" charset="-122"/>
+              <a:cs typeface="Times New Roman" panose="02020603050405020304" pitchFamily="18" charset="0"/>
+            </a:endParaRPr>
+          </a:p>
+        </p:txBody>
+      </p:sp>
+      <p:sp>
+        <p:nvSpPr>
+          <p:cNvPr id="37" name="矩形 36">
+            <a:extLst>
+              <a:ext uri="{FF2B5EF4-FFF2-40B4-BE49-F238E27FC236}">
+                <a16:creationId xmlns:a16="http://schemas.microsoft.com/office/drawing/2014/main" id="{E7EC138E-7F6B-4D0D-9102-F7E6CDEB9FD7}"/>
+              </a:ext>
+            </a:extLst>
+          </p:cNvPr>
+          <p:cNvSpPr/>
+          <p:nvPr/>
+        </p:nvSpPr>
+        <p:spPr>
+          <a:xfrm>
+            <a:off x="14017579" y="7348321"/>
+            <a:ext cx="1490870" cy="523460"/>
+          </a:xfrm>
+          <a:prstGeom prst="rect">
+            <a:avLst/>
+          </a:prstGeom>
+          <a:solidFill>
+            <a:srgbClr val="FFFF00"/>
+          </a:solidFill>
+          <a:ln>
+            <a:solidFill>
+              <a:srgbClr val="FFFF00"/>
+            </a:solidFill>
+          </a:ln>
+        </p:spPr>
+        <p:style>
+          <a:lnRef idx="2">
+            <a:schemeClr val="accent1">
+              <a:shade val="50000"/>
+            </a:schemeClr>
+          </a:lnRef>
+          <a:fillRef idx="1">
+            <a:schemeClr val="accent1"/>
+          </a:fillRef>
+          <a:effectRef idx="0">
+            <a:schemeClr val="accent1"/>
+          </a:effectRef>
+          <a:fontRef idx="minor">
+            <a:schemeClr val="lt1"/>
+          </a:fontRef>
+        </p:style>
+        <p:txBody>
+          <a:bodyPr rtlCol="0" anchor="ctr"/>
+          <a:lstStyle/>
+          <a:p>
+            <a:pPr algn="ctr"/>
+            <a:r>
+              <a:rPr lang="en-US" altLang="zh-CN" dirty="0">
+                <a:solidFill>
+                  <a:schemeClr val="tx1"/>
+                </a:solidFill>
+                <a:latin typeface="Times New Roman" panose="02020603050405020304" pitchFamily="18" charset="0"/>
+                <a:ea typeface="宋体" panose="02010600030101010101" pitchFamily="2" charset="-122"/>
+                <a:cs typeface="Times New Roman" panose="02020603050405020304" pitchFamily="18" charset="0"/>
+              </a:rPr>
+              <a:t>Max Pool: 5</a:t>
+            </a:r>
+            <a:endParaRPr lang="zh-CN" altLang="en-US" dirty="0">
+              <a:solidFill>
+                <a:schemeClr val="tx1"/>
+              </a:solidFill>
+              <a:latin typeface="Times New Roman" panose="02020603050405020304" pitchFamily="18" charset="0"/>
+              <a:ea typeface="宋体" panose="02010600030101010101" pitchFamily="2" charset="-122"/>
+              <a:cs typeface="Times New Roman" panose="02020603050405020304" pitchFamily="18" charset="0"/>
+            </a:endParaRPr>
+          </a:p>
+        </p:txBody>
+      </p:sp>
+      <p:sp>
+        <p:nvSpPr>
+          <p:cNvPr id="51" name="矩形 50">
+            <a:extLst>
+              <a:ext uri="{FF2B5EF4-FFF2-40B4-BE49-F238E27FC236}">
+                <a16:creationId xmlns:a16="http://schemas.microsoft.com/office/drawing/2014/main" id="{4AD5A9B9-13E3-4A62-A744-29A0B434A807}"/>
+              </a:ext>
+            </a:extLst>
+          </p:cNvPr>
+          <p:cNvSpPr/>
+          <p:nvPr/>
+        </p:nvSpPr>
+        <p:spPr>
+          <a:xfrm>
+            <a:off x="15760239" y="7348321"/>
+            <a:ext cx="1490870" cy="523460"/>
+          </a:xfrm>
+          <a:prstGeom prst="rect">
+            <a:avLst/>
+          </a:prstGeom>
+          <a:solidFill>
+            <a:srgbClr val="FFFF00"/>
+          </a:solidFill>
+          <a:ln>
+            <a:solidFill>
+              <a:srgbClr val="FFFF00"/>
+            </a:solidFill>
+          </a:ln>
+        </p:spPr>
+        <p:style>
+          <a:lnRef idx="2">
+            <a:schemeClr val="accent1">
+              <a:shade val="50000"/>
+            </a:schemeClr>
+          </a:lnRef>
+          <a:fillRef idx="1">
+            <a:schemeClr val="accent1"/>
+          </a:fillRef>
+          <a:effectRef idx="0">
+            <a:schemeClr val="accent1"/>
+          </a:effectRef>
+          <a:fontRef idx="minor">
+            <a:schemeClr val="lt1"/>
+          </a:fontRef>
+        </p:style>
+        <p:txBody>
+          <a:bodyPr rtlCol="0" anchor="ctr"/>
+          <a:lstStyle/>
+          <a:p>
+            <a:pPr algn="ctr"/>
+            <a:r>
+              <a:rPr lang="en-US" altLang="zh-CN" dirty="0">
+                <a:solidFill>
+                  <a:schemeClr val="tx1"/>
+                </a:solidFill>
+                <a:latin typeface="Times New Roman" panose="02020603050405020304" pitchFamily="18" charset="0"/>
+                <a:ea typeface="宋体" panose="02010600030101010101" pitchFamily="2" charset="-122"/>
+                <a:cs typeface="Times New Roman" panose="02020603050405020304" pitchFamily="18" charset="0"/>
+              </a:rPr>
+              <a:t>Max Pool: 9</a:t>
+            </a:r>
+            <a:endParaRPr lang="zh-CN" altLang="en-US" dirty="0">
+              <a:solidFill>
+                <a:schemeClr val="tx1"/>
+              </a:solidFill>
+              <a:latin typeface="Times New Roman" panose="02020603050405020304" pitchFamily="18" charset="0"/>
+              <a:ea typeface="宋体" panose="02010600030101010101" pitchFamily="2" charset="-122"/>
+              <a:cs typeface="Times New Roman" panose="02020603050405020304" pitchFamily="18" charset="0"/>
+            </a:endParaRPr>
+          </a:p>
+        </p:txBody>
+      </p:sp>
+      <p:sp>
+        <p:nvSpPr>
+          <p:cNvPr id="53" name="矩形 52">
+            <a:extLst>
+              <a:ext uri="{FF2B5EF4-FFF2-40B4-BE49-F238E27FC236}">
+                <a16:creationId xmlns:a16="http://schemas.microsoft.com/office/drawing/2014/main" id="{7B83EC23-D2A6-4C95-85EB-E19869037D63}"/>
+              </a:ext>
+            </a:extLst>
+          </p:cNvPr>
+          <p:cNvSpPr/>
+          <p:nvPr/>
+        </p:nvSpPr>
+        <p:spPr>
+          <a:xfrm>
+            <a:off x="17502899" y="7348321"/>
+            <a:ext cx="1490870" cy="523460"/>
+          </a:xfrm>
+          <a:prstGeom prst="rect">
+            <a:avLst/>
+          </a:prstGeom>
+          <a:solidFill>
+            <a:srgbClr val="FFFF00"/>
+          </a:solidFill>
+          <a:ln>
+            <a:solidFill>
+              <a:srgbClr val="FFFF00"/>
+            </a:solidFill>
+          </a:ln>
+        </p:spPr>
+        <p:style>
+          <a:lnRef idx="2">
+            <a:schemeClr val="accent1">
+              <a:shade val="50000"/>
+            </a:schemeClr>
+          </a:lnRef>
+          <a:fillRef idx="1">
+            <a:schemeClr val="accent1"/>
+          </a:fillRef>
+          <a:effectRef idx="0">
+            <a:schemeClr val="accent1"/>
+          </a:effectRef>
+          <a:fontRef idx="minor">
+            <a:schemeClr val="lt1"/>
+          </a:fontRef>
+        </p:style>
+        <p:txBody>
+          <a:bodyPr rtlCol="0" anchor="ctr"/>
+          <a:lstStyle/>
+          <a:p>
+            <a:pPr algn="ctr"/>
+            <a:r>
+              <a:rPr lang="en-US" altLang="zh-CN" dirty="0">
+                <a:solidFill>
+                  <a:schemeClr val="tx1"/>
+                </a:solidFill>
+                <a:latin typeface="Times New Roman" panose="02020603050405020304" pitchFamily="18" charset="0"/>
+                <a:ea typeface="宋体" panose="02010600030101010101" pitchFamily="2" charset="-122"/>
+                <a:cs typeface="Times New Roman" panose="02020603050405020304" pitchFamily="18" charset="0"/>
+              </a:rPr>
+              <a:t>Max Pool: 13</a:t>
+            </a:r>
+            <a:endParaRPr lang="zh-CN" altLang="en-US" dirty="0">
+              <a:solidFill>
+                <a:schemeClr val="tx1"/>
+              </a:solidFill>
+              <a:latin typeface="Times New Roman" panose="02020603050405020304" pitchFamily="18" charset="0"/>
+              <a:ea typeface="宋体" panose="02010600030101010101" pitchFamily="2" charset="-122"/>
+              <a:cs typeface="Times New Roman" panose="02020603050405020304" pitchFamily="18" charset="0"/>
+            </a:endParaRPr>
+          </a:p>
+        </p:txBody>
+      </p:sp>
+      <p:sp>
+        <p:nvSpPr>
+          <p:cNvPr id="55" name="矩形 54">
+            <a:extLst>
+              <a:ext uri="{FF2B5EF4-FFF2-40B4-BE49-F238E27FC236}">
+                <a16:creationId xmlns:a16="http://schemas.microsoft.com/office/drawing/2014/main" id="{735A17B2-430B-43B0-9986-41A91B3A8516}"/>
+              </a:ext>
+            </a:extLst>
+          </p:cNvPr>
+          <p:cNvSpPr/>
+          <p:nvPr/>
+        </p:nvSpPr>
+        <p:spPr>
+          <a:xfrm>
+            <a:off x="15760239" y="8442725"/>
+            <a:ext cx="1490870" cy="523460"/>
+          </a:xfrm>
+          <a:prstGeom prst="rect">
+            <a:avLst/>
+          </a:prstGeom>
+          <a:solidFill>
+            <a:srgbClr val="FFFF00"/>
+          </a:solidFill>
+          <a:ln>
+            <a:solidFill>
+              <a:srgbClr val="FFFF00"/>
+            </a:solidFill>
+          </a:ln>
+        </p:spPr>
+        <p:style>
+          <a:lnRef idx="2">
+            <a:schemeClr val="accent1">
+              <a:shade val="50000"/>
+            </a:schemeClr>
+          </a:lnRef>
+          <a:fillRef idx="1">
+            <a:schemeClr val="accent1"/>
+          </a:fillRef>
+          <a:effectRef idx="0">
+            <a:schemeClr val="accent1"/>
+          </a:effectRef>
+          <a:fontRef idx="minor">
+            <a:schemeClr val="lt1"/>
+          </a:fontRef>
+        </p:style>
+        <p:txBody>
+          <a:bodyPr rtlCol="0" anchor="ctr"/>
+          <a:lstStyle/>
+          <a:p>
+            <a:pPr algn="ctr"/>
+            <a:r>
+              <a:rPr lang="en-US" altLang="zh-CN" dirty="0">
+                <a:solidFill>
+                  <a:schemeClr val="tx1"/>
+                </a:solidFill>
+                <a:latin typeface="Times New Roman" panose="02020603050405020304" pitchFamily="18" charset="0"/>
+                <a:ea typeface="宋体" panose="02010600030101010101" pitchFamily="2" charset="-122"/>
+                <a:cs typeface="Times New Roman" panose="02020603050405020304" pitchFamily="18" charset="0"/>
+              </a:rPr>
+              <a:t>Concat</a:t>
+            </a:r>
+            <a:endParaRPr lang="zh-CN" altLang="en-US" dirty="0">
+              <a:solidFill>
+                <a:schemeClr val="tx1"/>
+              </a:solidFill>
+              <a:latin typeface="Times New Roman" panose="02020603050405020304" pitchFamily="18" charset="0"/>
+              <a:ea typeface="宋体" panose="02010600030101010101" pitchFamily="2" charset="-122"/>
+              <a:cs typeface="Times New Roman" panose="02020603050405020304" pitchFamily="18" charset="0"/>
+            </a:endParaRPr>
+          </a:p>
+        </p:txBody>
+      </p:sp>
+      <p:sp>
+        <p:nvSpPr>
+          <p:cNvPr id="57" name="矩形 56">
+            <a:extLst>
+              <a:ext uri="{FF2B5EF4-FFF2-40B4-BE49-F238E27FC236}">
+                <a16:creationId xmlns:a16="http://schemas.microsoft.com/office/drawing/2014/main" id="{A704C684-6EDD-4B37-9DD2-DADC291BB723}"/>
+              </a:ext>
+            </a:extLst>
+          </p:cNvPr>
+          <p:cNvSpPr/>
+          <p:nvPr/>
+        </p:nvSpPr>
+        <p:spPr>
+          <a:xfrm>
+            <a:off x="15760239" y="9252210"/>
+            <a:ext cx="1490870" cy="523460"/>
+          </a:xfrm>
+          <a:prstGeom prst="rect">
+            <a:avLst/>
+          </a:prstGeom>
+          <a:solidFill>
+            <a:srgbClr val="FFFF00"/>
+          </a:solidFill>
+          <a:ln>
+            <a:solidFill>
+              <a:srgbClr val="FFFF00"/>
+            </a:solidFill>
+          </a:ln>
+        </p:spPr>
+        <p:style>
+          <a:lnRef idx="2">
+            <a:schemeClr val="accent1">
+              <a:shade val="50000"/>
+            </a:schemeClr>
+          </a:lnRef>
+          <a:fillRef idx="1">
+            <a:schemeClr val="accent1"/>
+          </a:fillRef>
+          <a:effectRef idx="0">
+            <a:schemeClr val="accent1"/>
+          </a:effectRef>
+          <a:fontRef idx="minor">
+            <a:schemeClr val="lt1"/>
+          </a:fontRef>
+        </p:style>
+        <p:txBody>
+          <a:bodyPr rtlCol="0" anchor="ctr"/>
+          <a:lstStyle/>
+          <a:p>
+            <a:pPr algn="ctr"/>
+            <a:r>
+              <a:rPr lang="en-US" altLang="zh-CN" dirty="0">
+                <a:solidFill>
+                  <a:schemeClr val="tx1"/>
+                </a:solidFill>
+                <a:latin typeface="Times New Roman" panose="02020603050405020304" pitchFamily="18" charset="0"/>
+                <a:ea typeface="宋体" panose="02010600030101010101" pitchFamily="2" charset="-122"/>
+                <a:cs typeface="Times New Roman" panose="02020603050405020304" pitchFamily="18" charset="0"/>
+              </a:rPr>
+              <a:t>Conv * 3</a:t>
+            </a:r>
+            <a:endParaRPr lang="zh-CN" altLang="en-US" dirty="0">
+              <a:solidFill>
+                <a:schemeClr val="tx1"/>
+              </a:solidFill>
+              <a:latin typeface="Times New Roman" panose="02020603050405020304" pitchFamily="18" charset="0"/>
+              <a:ea typeface="宋体" panose="02010600030101010101" pitchFamily="2" charset="-122"/>
+              <a:cs typeface="Times New Roman" panose="02020603050405020304" pitchFamily="18" charset="0"/>
+            </a:endParaRPr>
+          </a:p>
+        </p:txBody>
+      </p:sp>
+      <p:sp>
+        <p:nvSpPr>
+          <p:cNvPr id="59" name="矩形 58">
+            <a:extLst>
+              <a:ext uri="{FF2B5EF4-FFF2-40B4-BE49-F238E27FC236}">
+                <a16:creationId xmlns:a16="http://schemas.microsoft.com/office/drawing/2014/main" id="{29B91055-3861-484B-B69E-95A58E8EC1A1}"/>
+              </a:ext>
+            </a:extLst>
+          </p:cNvPr>
+          <p:cNvSpPr/>
+          <p:nvPr/>
+        </p:nvSpPr>
+        <p:spPr>
+          <a:xfrm>
+            <a:off x="19616622" y="3816488"/>
+            <a:ext cx="2015426" cy="523460"/>
+          </a:xfrm>
+          <a:prstGeom prst="rect">
+            <a:avLst/>
+          </a:prstGeom>
+          <a:solidFill>
+            <a:srgbClr val="00B0F0"/>
+          </a:solidFill>
+          <a:ln>
+            <a:solidFill>
+              <a:srgbClr val="00B0F0"/>
+            </a:solidFill>
+          </a:ln>
+        </p:spPr>
+        <p:style>
+          <a:lnRef idx="2">
+            <a:schemeClr val="accent1">
+              <a:shade val="50000"/>
+            </a:schemeClr>
+          </a:lnRef>
+          <a:fillRef idx="1">
+            <a:schemeClr val="accent1"/>
+          </a:fillRef>
+          <a:effectRef idx="0">
+            <a:schemeClr val="accent1"/>
+          </a:effectRef>
+          <a:fontRef idx="minor">
+            <a:schemeClr val="lt1"/>
+          </a:fontRef>
+        </p:style>
+        <p:txBody>
+          <a:bodyPr rtlCol="0" anchor="ctr"/>
+          <a:lstStyle/>
+          <a:p>
+            <a:pPr algn="ctr"/>
+            <a:r>
+              <a:rPr lang="en-US" altLang="zh-CN" dirty="0">
+                <a:solidFill>
+                  <a:schemeClr val="tx1"/>
+                </a:solidFill>
+                <a:latin typeface="Times New Roman" panose="02020603050405020304" pitchFamily="18" charset="0"/>
+                <a:ea typeface="宋体" panose="02010600030101010101" pitchFamily="2" charset="-122"/>
+                <a:cs typeface="Times New Roman" panose="02020603050405020304" pitchFamily="18" charset="0"/>
+              </a:rPr>
+              <a:t>Concat + Conv * 5</a:t>
+            </a:r>
+            <a:endParaRPr lang="zh-CN" altLang="en-US" dirty="0">
+              <a:solidFill>
+                <a:schemeClr val="tx1"/>
+              </a:solidFill>
+              <a:latin typeface="Times New Roman" panose="02020603050405020304" pitchFamily="18" charset="0"/>
+              <a:ea typeface="宋体" panose="02010600030101010101" pitchFamily="2" charset="-122"/>
+              <a:cs typeface="Times New Roman" panose="02020603050405020304" pitchFamily="18" charset="0"/>
+            </a:endParaRPr>
+          </a:p>
+        </p:txBody>
+      </p:sp>
+      <p:sp>
+        <p:nvSpPr>
+          <p:cNvPr id="69" name="矩形 68">
+            <a:extLst>
+              <a:ext uri="{FF2B5EF4-FFF2-40B4-BE49-F238E27FC236}">
+                <a16:creationId xmlns:a16="http://schemas.microsoft.com/office/drawing/2014/main" id="{28D74338-65E2-4532-8EDC-56C4B285E0B5}"/>
+              </a:ext>
+            </a:extLst>
+          </p:cNvPr>
+          <p:cNvSpPr/>
+          <p:nvPr/>
+        </p:nvSpPr>
+        <p:spPr>
+          <a:xfrm>
+            <a:off x="19613590" y="7335563"/>
+            <a:ext cx="2015427" cy="523460"/>
+          </a:xfrm>
+          <a:prstGeom prst="rect">
+            <a:avLst/>
+          </a:prstGeom>
+          <a:solidFill>
+            <a:srgbClr val="00B0F0"/>
+          </a:solidFill>
+          <a:ln>
+            <a:solidFill>
+              <a:srgbClr val="00B0F0"/>
+            </a:solidFill>
+          </a:ln>
+        </p:spPr>
+        <p:style>
+          <a:lnRef idx="2">
+            <a:schemeClr val="accent1">
+              <a:shade val="50000"/>
+            </a:schemeClr>
+          </a:lnRef>
+          <a:fillRef idx="1">
+            <a:schemeClr val="accent1"/>
+          </a:fillRef>
+          <a:effectRef idx="0">
+            <a:schemeClr val="accent1"/>
+          </a:effectRef>
+          <a:fontRef idx="minor">
+            <a:schemeClr val="lt1"/>
+          </a:fontRef>
+        </p:style>
+        <p:txBody>
+          <a:bodyPr rtlCol="0" anchor="ctr"/>
+          <a:lstStyle/>
+          <a:p>
+            <a:pPr algn="ctr"/>
+            <a:r>
+              <a:rPr lang="en-US" altLang="zh-CN" dirty="0">
+                <a:solidFill>
+                  <a:schemeClr val="tx1"/>
+                </a:solidFill>
+                <a:latin typeface="Times New Roman" panose="02020603050405020304" pitchFamily="18" charset="0"/>
+                <a:ea typeface="宋体" panose="02010600030101010101" pitchFamily="2" charset="-122"/>
+                <a:cs typeface="Times New Roman" panose="02020603050405020304" pitchFamily="18" charset="0"/>
+              </a:rPr>
+              <a:t>UpSample</a:t>
+            </a:r>
+            <a:endParaRPr lang="zh-CN" altLang="en-US" dirty="0">
+              <a:solidFill>
+                <a:schemeClr val="tx1"/>
+              </a:solidFill>
+              <a:latin typeface="Times New Roman" panose="02020603050405020304" pitchFamily="18" charset="0"/>
+              <a:ea typeface="宋体" panose="02010600030101010101" pitchFamily="2" charset="-122"/>
+              <a:cs typeface="Times New Roman" panose="02020603050405020304" pitchFamily="18" charset="0"/>
+            </a:endParaRPr>
+          </a:p>
+        </p:txBody>
+      </p:sp>
+      <p:cxnSp>
+        <p:nvCxnSpPr>
+          <p:cNvPr id="70" name="直接箭头连接符 69">
+            <a:extLst>
+              <a:ext uri="{FF2B5EF4-FFF2-40B4-BE49-F238E27FC236}">
+                <a16:creationId xmlns:a16="http://schemas.microsoft.com/office/drawing/2014/main" id="{BC213CFD-0374-4D34-9903-7A68D1E3B310}"/>
+              </a:ext>
+            </a:extLst>
+          </p:cNvPr>
+          <p:cNvCxnSpPr>
+            <a:cxnSpLocks/>
+          </p:cNvCxnSpPr>
+          <p:nvPr/>
+        </p:nvCxnSpPr>
+        <p:spPr>
+          <a:xfrm>
+            <a:off x="16482481" y="2690187"/>
+            <a:ext cx="0" cy="298172"/>
+          </a:xfrm>
+          <a:prstGeom prst="straightConnector1">
+            <a:avLst/>
+          </a:prstGeom>
+          <a:ln w="57150">
+            <a:solidFill>
+              <a:schemeClr val="tx1"/>
+            </a:solidFill>
+            <a:tailEnd type="triangle"/>
+          </a:ln>
+        </p:spPr>
+        <p:style>
+          <a:lnRef idx="1">
+            <a:schemeClr val="accent1"/>
+          </a:lnRef>
+          <a:fillRef idx="0">
+            <a:schemeClr val="accent1"/>
+          </a:fillRef>
+          <a:effectRef idx="0">
+            <a:schemeClr val="accent1"/>
+          </a:effectRef>
+          <a:fontRef idx="minor">
+            <a:schemeClr val="tx1"/>
+          </a:fontRef>
+        </p:style>
+      </p:cxnSp>
+      <p:cxnSp>
+        <p:nvCxnSpPr>
+          <p:cNvPr id="71" name="直接箭头连接符 70">
+            <a:extLst>
+              <a:ext uri="{FF2B5EF4-FFF2-40B4-BE49-F238E27FC236}">
+                <a16:creationId xmlns:a16="http://schemas.microsoft.com/office/drawing/2014/main" id="{F9CCBD64-D7BE-4070-AD43-EC5C2A13CC61}"/>
+              </a:ext>
+            </a:extLst>
+          </p:cNvPr>
+          <p:cNvCxnSpPr>
+            <a:cxnSpLocks/>
+          </p:cNvCxnSpPr>
+          <p:nvPr/>
+        </p:nvCxnSpPr>
+        <p:spPr>
+          <a:xfrm>
+            <a:off x="16482481" y="3511819"/>
+            <a:ext cx="0" cy="298172"/>
+          </a:xfrm>
+          <a:prstGeom prst="straightConnector1">
+            <a:avLst/>
+          </a:prstGeom>
+          <a:ln w="57150">
+            <a:solidFill>
+              <a:schemeClr val="tx1"/>
+            </a:solidFill>
+            <a:tailEnd type="triangle"/>
+          </a:ln>
+        </p:spPr>
+        <p:style>
+          <a:lnRef idx="1">
+            <a:schemeClr val="accent1"/>
+          </a:lnRef>
+          <a:fillRef idx="0">
+            <a:schemeClr val="accent1"/>
+          </a:fillRef>
+          <a:effectRef idx="0">
+            <a:schemeClr val="accent1"/>
+          </a:effectRef>
+          <a:fontRef idx="minor">
+            <a:schemeClr val="tx1"/>
+          </a:fontRef>
+        </p:style>
+      </p:cxnSp>
+      <p:cxnSp>
+        <p:nvCxnSpPr>
+          <p:cNvPr id="72" name="直接箭头连接符 71">
+            <a:extLst>
+              <a:ext uri="{FF2B5EF4-FFF2-40B4-BE49-F238E27FC236}">
+                <a16:creationId xmlns:a16="http://schemas.microsoft.com/office/drawing/2014/main" id="{6BA1A279-91AC-448E-9F7C-19788E135009}"/>
+              </a:ext>
+            </a:extLst>
+          </p:cNvPr>
+          <p:cNvCxnSpPr>
+            <a:cxnSpLocks/>
+          </p:cNvCxnSpPr>
+          <p:nvPr/>
+        </p:nvCxnSpPr>
+        <p:spPr>
+          <a:xfrm>
+            <a:off x="16482481" y="4333451"/>
+            <a:ext cx="0" cy="298172"/>
+          </a:xfrm>
+          <a:prstGeom prst="straightConnector1">
+            <a:avLst/>
+          </a:prstGeom>
+          <a:ln w="57150">
+            <a:solidFill>
+              <a:schemeClr val="tx1"/>
+            </a:solidFill>
+            <a:tailEnd type="triangle"/>
+          </a:ln>
+        </p:spPr>
+        <p:style>
+          <a:lnRef idx="1">
+            <a:schemeClr val="accent1"/>
+          </a:lnRef>
+          <a:fillRef idx="0">
+            <a:schemeClr val="accent1"/>
+          </a:fillRef>
+          <a:effectRef idx="0">
+            <a:schemeClr val="accent1"/>
+          </a:effectRef>
+          <a:fontRef idx="minor">
+            <a:schemeClr val="tx1"/>
+          </a:fontRef>
+        </p:style>
+      </p:cxnSp>
+      <p:cxnSp>
+        <p:nvCxnSpPr>
+          <p:cNvPr id="73" name="直接箭头连接符 72">
+            <a:extLst>
+              <a:ext uri="{FF2B5EF4-FFF2-40B4-BE49-F238E27FC236}">
+                <a16:creationId xmlns:a16="http://schemas.microsoft.com/office/drawing/2014/main" id="{AEA7163C-B073-44C6-B7CF-88474BF216E6}"/>
+              </a:ext>
+            </a:extLst>
+          </p:cNvPr>
+          <p:cNvCxnSpPr>
+            <a:cxnSpLocks/>
+          </p:cNvCxnSpPr>
+          <p:nvPr/>
+        </p:nvCxnSpPr>
+        <p:spPr>
+          <a:xfrm>
+            <a:off x="16458737" y="5155083"/>
+            <a:ext cx="0" cy="298172"/>
+          </a:xfrm>
+          <a:prstGeom prst="straightConnector1">
+            <a:avLst/>
+          </a:prstGeom>
+          <a:ln w="57150">
+            <a:solidFill>
+              <a:schemeClr val="tx1"/>
+            </a:solidFill>
+            <a:tailEnd type="triangle"/>
+          </a:ln>
+        </p:spPr>
+        <p:style>
+          <a:lnRef idx="1">
+            <a:schemeClr val="accent1"/>
+          </a:lnRef>
+          <a:fillRef idx="0">
+            <a:schemeClr val="accent1"/>
+          </a:fillRef>
+          <a:effectRef idx="0">
+            <a:schemeClr val="accent1"/>
+          </a:effectRef>
+          <a:fontRef idx="minor">
+            <a:schemeClr val="tx1"/>
+          </a:fontRef>
+        </p:style>
+      </p:cxnSp>
+      <p:cxnSp>
+        <p:nvCxnSpPr>
+          <p:cNvPr id="74" name="直接箭头连接符 73">
+            <a:extLst>
+              <a:ext uri="{FF2B5EF4-FFF2-40B4-BE49-F238E27FC236}">
+                <a16:creationId xmlns:a16="http://schemas.microsoft.com/office/drawing/2014/main" id="{29DBEFA2-B3D5-439F-8EEB-D25BFB39FDD1}"/>
+              </a:ext>
+            </a:extLst>
+          </p:cNvPr>
+          <p:cNvCxnSpPr>
+            <a:cxnSpLocks/>
+          </p:cNvCxnSpPr>
+          <p:nvPr/>
+        </p:nvCxnSpPr>
+        <p:spPr>
+          <a:xfrm>
+            <a:off x="16471437" y="5976715"/>
+            <a:ext cx="0" cy="298172"/>
+          </a:xfrm>
+          <a:prstGeom prst="straightConnector1">
+            <a:avLst/>
+          </a:prstGeom>
+          <a:ln w="57150">
+            <a:solidFill>
+              <a:schemeClr val="tx1"/>
+            </a:solidFill>
+            <a:tailEnd type="triangle"/>
+          </a:ln>
+        </p:spPr>
+        <p:style>
+          <a:lnRef idx="1">
+            <a:schemeClr val="accent1"/>
+          </a:lnRef>
+          <a:fillRef idx="0">
+            <a:schemeClr val="accent1"/>
+          </a:fillRef>
+          <a:effectRef idx="0">
+            <a:schemeClr val="accent1"/>
+          </a:effectRef>
+          <a:fontRef idx="minor">
+            <a:schemeClr val="tx1"/>
+          </a:fontRef>
+        </p:style>
+      </p:cxnSp>
+      <p:cxnSp>
+        <p:nvCxnSpPr>
+          <p:cNvPr id="75" name="直接箭头连接符 74">
+            <a:extLst>
+              <a:ext uri="{FF2B5EF4-FFF2-40B4-BE49-F238E27FC236}">
+                <a16:creationId xmlns:a16="http://schemas.microsoft.com/office/drawing/2014/main" id="{B6FF0FCC-7566-40C8-8E53-7094C205B6E4}"/>
+              </a:ext>
+            </a:extLst>
+          </p:cNvPr>
+          <p:cNvCxnSpPr>
+            <a:cxnSpLocks/>
+          </p:cNvCxnSpPr>
+          <p:nvPr/>
+        </p:nvCxnSpPr>
+        <p:spPr>
+          <a:xfrm>
+            <a:off x="16505674" y="8954038"/>
+            <a:ext cx="0" cy="298172"/>
+          </a:xfrm>
+          <a:prstGeom prst="straightConnector1">
+            <a:avLst/>
+          </a:prstGeom>
+          <a:ln w="57150">
+            <a:solidFill>
+              <a:schemeClr val="tx1"/>
+            </a:solidFill>
+            <a:tailEnd type="triangle"/>
+          </a:ln>
+        </p:spPr>
+        <p:style>
+          <a:lnRef idx="1">
+            <a:schemeClr val="accent1"/>
+          </a:lnRef>
+          <a:fillRef idx="0">
+            <a:schemeClr val="accent1"/>
+          </a:fillRef>
+          <a:effectRef idx="0">
+            <a:schemeClr val="accent1"/>
+          </a:effectRef>
+          <a:fontRef idx="minor">
+            <a:schemeClr val="tx1"/>
+          </a:fontRef>
+        </p:style>
+      </p:cxnSp>
+      <p:cxnSp>
+        <p:nvCxnSpPr>
+          <p:cNvPr id="77" name="连接符: 肘形 76">
+            <a:extLst>
+              <a:ext uri="{FF2B5EF4-FFF2-40B4-BE49-F238E27FC236}">
+                <a16:creationId xmlns:a16="http://schemas.microsoft.com/office/drawing/2014/main" id="{1195A68F-75C6-4A19-A046-1D91DDAA4155}"/>
+              </a:ext>
+            </a:extLst>
+          </p:cNvPr>
+          <p:cNvCxnSpPr>
+            <a:cxnSpLocks/>
+            <a:stCxn id="37" idx="2"/>
+          </p:cNvCxnSpPr>
+          <p:nvPr/>
+        </p:nvCxnSpPr>
+        <p:spPr>
+          <a:xfrm rot="16200000" flipH="1">
+            <a:off x="16356589" y="6278206"/>
+            <a:ext cx="298172" cy="3485322"/>
+          </a:xfrm>
+          <a:prstGeom prst="bentConnector2">
+            <a:avLst/>
+          </a:prstGeom>
+          <a:ln w="19050">
+            <a:solidFill>
+              <a:schemeClr val="tx1"/>
+            </a:solidFill>
+          </a:ln>
+        </p:spPr>
+        <p:style>
+          <a:lnRef idx="1">
+            <a:schemeClr val="accent1"/>
+          </a:lnRef>
+          <a:fillRef idx="0">
+            <a:schemeClr val="accent1"/>
+          </a:fillRef>
+          <a:effectRef idx="0">
+            <a:schemeClr val="accent1"/>
+          </a:effectRef>
+          <a:fontRef idx="minor">
+            <a:schemeClr val="tx1"/>
+          </a:fontRef>
+        </p:style>
+      </p:cxnSp>
+      <p:cxnSp>
+        <p:nvCxnSpPr>
+          <p:cNvPr id="85" name="直接连接符 84">
+            <a:extLst>
+              <a:ext uri="{FF2B5EF4-FFF2-40B4-BE49-F238E27FC236}">
+                <a16:creationId xmlns:a16="http://schemas.microsoft.com/office/drawing/2014/main" id="{CA9ECB7C-8E62-429D-BBB3-661B64965D3E}"/>
+              </a:ext>
+            </a:extLst>
+          </p:cNvPr>
+          <p:cNvCxnSpPr>
+            <a:stCxn id="53" idx="2"/>
+          </p:cNvCxnSpPr>
+          <p:nvPr/>
+        </p:nvCxnSpPr>
+        <p:spPr>
+          <a:xfrm>
+            <a:off x="18248334" y="7871781"/>
+            <a:ext cx="0" cy="298172"/>
+          </a:xfrm>
+          <a:prstGeom prst="line">
+            <a:avLst/>
+          </a:prstGeom>
+          <a:ln w="19050">
+            <a:solidFill>
+              <a:schemeClr val="tx1"/>
+            </a:solidFill>
+          </a:ln>
+        </p:spPr>
+        <p:style>
+          <a:lnRef idx="1">
+            <a:schemeClr val="accent1"/>
+          </a:lnRef>
+          <a:fillRef idx="0">
+            <a:schemeClr val="accent1"/>
+          </a:fillRef>
+          <a:effectRef idx="0">
+            <a:schemeClr val="accent1"/>
+          </a:effectRef>
+          <a:fontRef idx="minor">
+            <a:schemeClr val="tx1"/>
+          </a:fontRef>
+        </p:style>
+      </p:cxnSp>
+      <p:cxnSp>
+        <p:nvCxnSpPr>
+          <p:cNvPr id="87" name="直接连接符 86">
+            <a:extLst>
+              <a:ext uri="{FF2B5EF4-FFF2-40B4-BE49-F238E27FC236}">
+                <a16:creationId xmlns:a16="http://schemas.microsoft.com/office/drawing/2014/main" id="{42ED73DC-3114-4F47-B8C0-1DDDA5FD5FD3}"/>
+              </a:ext>
+            </a:extLst>
+          </p:cNvPr>
+          <p:cNvCxnSpPr>
+            <a:stCxn id="51" idx="2"/>
+          </p:cNvCxnSpPr>
+          <p:nvPr/>
+        </p:nvCxnSpPr>
+        <p:spPr>
+          <a:xfrm>
+            <a:off x="16505674" y="7871781"/>
+            <a:ext cx="0" cy="298172"/>
+          </a:xfrm>
+          <a:prstGeom prst="line">
+            <a:avLst/>
+          </a:prstGeom>
+          <a:ln w="19050">
+            <a:solidFill>
+              <a:schemeClr val="tx1"/>
+            </a:solidFill>
+          </a:ln>
+        </p:spPr>
+        <p:style>
+          <a:lnRef idx="1">
+            <a:schemeClr val="accent1"/>
+          </a:lnRef>
+          <a:fillRef idx="0">
+            <a:schemeClr val="accent1"/>
+          </a:fillRef>
+          <a:effectRef idx="0">
+            <a:schemeClr val="accent1"/>
+          </a:effectRef>
+          <a:fontRef idx="minor">
+            <a:schemeClr val="tx1"/>
+          </a:fontRef>
+        </p:style>
+      </p:cxnSp>
+      <p:cxnSp>
+        <p:nvCxnSpPr>
+          <p:cNvPr id="88" name="直接箭头连接符 87">
+            <a:extLst>
+              <a:ext uri="{FF2B5EF4-FFF2-40B4-BE49-F238E27FC236}">
+                <a16:creationId xmlns:a16="http://schemas.microsoft.com/office/drawing/2014/main" id="{624BE537-4D6C-482C-8234-9FAC86061057}"/>
+              </a:ext>
+            </a:extLst>
+          </p:cNvPr>
+          <p:cNvCxnSpPr>
+            <a:cxnSpLocks/>
+          </p:cNvCxnSpPr>
+          <p:nvPr/>
+        </p:nvCxnSpPr>
+        <p:spPr>
+          <a:xfrm>
+            <a:off x="14729882" y="7050149"/>
+            <a:ext cx="0" cy="298172"/>
+          </a:xfrm>
+          <a:prstGeom prst="straightConnector1">
+            <a:avLst/>
+          </a:prstGeom>
+          <a:ln w="57150">
+            <a:solidFill>
+              <a:schemeClr val="tx1"/>
+            </a:solidFill>
+            <a:tailEnd type="triangle"/>
+          </a:ln>
+        </p:spPr>
+        <p:style>
+          <a:lnRef idx="1">
+            <a:schemeClr val="accent1"/>
+          </a:lnRef>
+          <a:fillRef idx="0">
+            <a:schemeClr val="accent1"/>
+          </a:fillRef>
+          <a:effectRef idx="0">
+            <a:schemeClr val="accent1"/>
+          </a:effectRef>
+          <a:fontRef idx="minor">
+            <a:schemeClr val="tx1"/>
+          </a:fontRef>
+        </p:style>
+      </p:cxnSp>
+      <p:cxnSp>
+        <p:nvCxnSpPr>
+          <p:cNvPr id="89" name="直接箭头连接符 88">
+            <a:extLst>
+              <a:ext uri="{FF2B5EF4-FFF2-40B4-BE49-F238E27FC236}">
+                <a16:creationId xmlns:a16="http://schemas.microsoft.com/office/drawing/2014/main" id="{0FAE56E7-08F3-4A99-B9DA-5F189633F176}"/>
+              </a:ext>
+            </a:extLst>
+          </p:cNvPr>
+          <p:cNvCxnSpPr>
+            <a:cxnSpLocks/>
+          </p:cNvCxnSpPr>
+          <p:nvPr/>
+        </p:nvCxnSpPr>
+        <p:spPr>
+          <a:xfrm>
+            <a:off x="16505674" y="7050149"/>
+            <a:ext cx="0" cy="298172"/>
+          </a:xfrm>
+          <a:prstGeom prst="straightConnector1">
+            <a:avLst/>
+          </a:prstGeom>
+          <a:ln w="57150">
+            <a:solidFill>
+              <a:schemeClr val="tx1"/>
+            </a:solidFill>
+            <a:tailEnd type="triangle"/>
+          </a:ln>
+        </p:spPr>
+        <p:style>
+          <a:lnRef idx="1">
+            <a:schemeClr val="accent1"/>
+          </a:lnRef>
+          <a:fillRef idx="0">
+            <a:schemeClr val="accent1"/>
+          </a:fillRef>
+          <a:effectRef idx="0">
+            <a:schemeClr val="accent1"/>
+          </a:effectRef>
+          <a:fontRef idx="minor">
+            <a:schemeClr val="tx1"/>
+          </a:fontRef>
+        </p:style>
+      </p:cxnSp>
+      <p:cxnSp>
+        <p:nvCxnSpPr>
+          <p:cNvPr id="90" name="直接箭头连接符 89">
+            <a:extLst>
+              <a:ext uri="{FF2B5EF4-FFF2-40B4-BE49-F238E27FC236}">
+                <a16:creationId xmlns:a16="http://schemas.microsoft.com/office/drawing/2014/main" id="{65929534-D907-4E41-B696-E5F6701E5131}"/>
+              </a:ext>
+            </a:extLst>
+          </p:cNvPr>
+          <p:cNvCxnSpPr>
+            <a:cxnSpLocks/>
+          </p:cNvCxnSpPr>
+          <p:nvPr/>
+        </p:nvCxnSpPr>
+        <p:spPr>
+          <a:xfrm>
+            <a:off x="18248334" y="7050149"/>
+            <a:ext cx="0" cy="298172"/>
+          </a:xfrm>
+          <a:prstGeom prst="straightConnector1">
+            <a:avLst/>
+          </a:prstGeom>
+          <a:ln w="57150">
+            <a:solidFill>
+              <a:schemeClr val="tx1"/>
+            </a:solidFill>
+            <a:tailEnd type="triangle"/>
+          </a:ln>
+        </p:spPr>
+        <p:style>
+          <a:lnRef idx="1">
+            <a:schemeClr val="accent1"/>
+          </a:lnRef>
+          <a:fillRef idx="0">
+            <a:schemeClr val="accent1"/>
+          </a:fillRef>
+          <a:effectRef idx="0">
+            <a:schemeClr val="accent1"/>
+          </a:effectRef>
+          <a:fontRef idx="minor">
+            <a:schemeClr val="tx1"/>
+          </a:fontRef>
+        </p:style>
+      </p:cxnSp>
+      <p:cxnSp>
+        <p:nvCxnSpPr>
+          <p:cNvPr id="91" name="直接箭头连接符 90">
+            <a:extLst>
+              <a:ext uri="{FF2B5EF4-FFF2-40B4-BE49-F238E27FC236}">
+                <a16:creationId xmlns:a16="http://schemas.microsoft.com/office/drawing/2014/main" id="{069EE59D-2A6C-4F70-B84D-CC21C0FDC825}"/>
+              </a:ext>
+            </a:extLst>
+          </p:cNvPr>
+          <p:cNvCxnSpPr>
+            <a:cxnSpLocks/>
+          </p:cNvCxnSpPr>
+          <p:nvPr/>
+        </p:nvCxnSpPr>
+        <p:spPr>
+          <a:xfrm>
+            <a:off x="16505674" y="8144553"/>
+            <a:ext cx="0" cy="298172"/>
+          </a:xfrm>
+          <a:prstGeom prst="straightConnector1">
+            <a:avLst/>
+          </a:prstGeom>
+          <a:ln w="57150">
+            <a:solidFill>
+              <a:schemeClr val="tx1"/>
+            </a:solidFill>
+            <a:tailEnd type="triangle"/>
+          </a:ln>
+        </p:spPr>
+        <p:style>
+          <a:lnRef idx="1">
+            <a:schemeClr val="accent1"/>
+          </a:lnRef>
+          <a:fillRef idx="0">
+            <a:schemeClr val="accent1"/>
+          </a:fillRef>
+          <a:effectRef idx="0">
+            <a:schemeClr val="accent1"/>
+          </a:effectRef>
+          <a:fontRef idx="minor">
+            <a:schemeClr val="tx1"/>
+          </a:fontRef>
+        </p:style>
+      </p:cxnSp>
+      <p:cxnSp>
+        <p:nvCxnSpPr>
+          <p:cNvPr id="96" name="直接连接符 95">
+            <a:extLst>
+              <a:ext uri="{FF2B5EF4-FFF2-40B4-BE49-F238E27FC236}">
+                <a16:creationId xmlns:a16="http://schemas.microsoft.com/office/drawing/2014/main" id="{F82576E9-AEA0-4DEA-A099-93D02F20C1A8}"/>
+              </a:ext>
+            </a:extLst>
+          </p:cNvPr>
+          <p:cNvCxnSpPr/>
+          <p:nvPr/>
+        </p:nvCxnSpPr>
+        <p:spPr>
+          <a:xfrm>
+            <a:off x="14729882" y="7050149"/>
+            <a:ext cx="3518452" cy="0"/>
+          </a:xfrm>
+          <a:prstGeom prst="line">
+            <a:avLst/>
+          </a:prstGeom>
+          <a:ln w="19050">
+            <a:solidFill>
+              <a:schemeClr val="tx1"/>
+            </a:solidFill>
+          </a:ln>
+        </p:spPr>
+        <p:style>
+          <a:lnRef idx="1">
+            <a:schemeClr val="accent1"/>
+          </a:lnRef>
+          <a:fillRef idx="0">
+            <a:schemeClr val="accent1"/>
+          </a:fillRef>
+          <a:effectRef idx="0">
+            <a:schemeClr val="accent1"/>
+          </a:effectRef>
+          <a:fontRef idx="minor">
+            <a:schemeClr val="tx1"/>
+          </a:fontRef>
+        </p:style>
+      </p:cxnSp>
+      <p:cxnSp>
+        <p:nvCxnSpPr>
+          <p:cNvPr id="98" name="直接连接符 97">
+            <a:extLst>
+              <a:ext uri="{FF2B5EF4-FFF2-40B4-BE49-F238E27FC236}">
+                <a16:creationId xmlns:a16="http://schemas.microsoft.com/office/drawing/2014/main" id="{25606C39-099B-4030-8C77-B8B53C04C7A4}"/>
+              </a:ext>
+            </a:extLst>
+          </p:cNvPr>
+          <p:cNvCxnSpPr>
+            <a:cxnSpLocks/>
+            <a:stCxn id="33" idx="2"/>
+          </p:cNvCxnSpPr>
+          <p:nvPr/>
+        </p:nvCxnSpPr>
+        <p:spPr>
+          <a:xfrm>
+            <a:off x="16505673" y="6798347"/>
+            <a:ext cx="2" cy="251802"/>
+          </a:xfrm>
+          <a:prstGeom prst="line">
+            <a:avLst/>
+          </a:prstGeom>
+          <a:ln w="19050">
+            <a:solidFill>
+              <a:schemeClr val="tx1"/>
+            </a:solidFill>
+          </a:ln>
+        </p:spPr>
+        <p:style>
+          <a:lnRef idx="1">
+            <a:schemeClr val="accent1"/>
+          </a:lnRef>
+          <a:fillRef idx="0">
+            <a:schemeClr val="accent1"/>
+          </a:fillRef>
+          <a:effectRef idx="0">
+            <a:schemeClr val="accent1"/>
+          </a:effectRef>
+          <a:fontRef idx="minor">
+            <a:schemeClr val="tx1"/>
+          </a:fontRef>
+        </p:style>
+      </p:cxnSp>
+      <p:sp>
+        <p:nvSpPr>
+          <p:cNvPr id="102" name="矩形 101">
+            <a:extLst>
+              <a:ext uri="{FF2B5EF4-FFF2-40B4-BE49-F238E27FC236}">
+                <a16:creationId xmlns:a16="http://schemas.microsoft.com/office/drawing/2014/main" id="{53235D73-9932-44BC-BB17-843414D120DB}"/>
+              </a:ext>
+            </a:extLst>
+          </p:cNvPr>
+          <p:cNvSpPr/>
+          <p:nvPr/>
+        </p:nvSpPr>
+        <p:spPr>
+          <a:xfrm>
+            <a:off x="22714312" y="9234514"/>
+            <a:ext cx="2015435" cy="523460"/>
+          </a:xfrm>
+          <a:prstGeom prst="rect">
+            <a:avLst/>
+          </a:prstGeom>
+          <a:solidFill>
+            <a:srgbClr val="00B0F0"/>
+          </a:solidFill>
+          <a:ln>
+            <a:solidFill>
+              <a:srgbClr val="00B0F0"/>
+            </a:solidFill>
+          </a:ln>
+        </p:spPr>
+        <p:style>
+          <a:lnRef idx="2">
+            <a:schemeClr val="accent1">
+              <a:shade val="50000"/>
+            </a:schemeClr>
+          </a:lnRef>
+          <a:fillRef idx="1">
+            <a:schemeClr val="accent1"/>
+          </a:fillRef>
+          <a:effectRef idx="0">
+            <a:schemeClr val="accent1"/>
+          </a:effectRef>
+          <a:fontRef idx="minor">
+            <a:schemeClr val="lt1"/>
+          </a:fontRef>
+        </p:style>
+        <p:txBody>
+          <a:bodyPr rtlCol="0" anchor="ctr"/>
+          <a:lstStyle/>
+          <a:p>
+            <a:pPr algn="ctr"/>
+            <a:r>
+              <a:rPr lang="en-US" altLang="zh-CN" dirty="0">
+                <a:solidFill>
+                  <a:schemeClr val="tx1"/>
+                </a:solidFill>
+                <a:latin typeface="Times New Roman" panose="02020603050405020304" pitchFamily="18" charset="0"/>
+                <a:ea typeface="宋体" panose="02010600030101010101" pitchFamily="2" charset="-122"/>
+                <a:cs typeface="Times New Roman" panose="02020603050405020304" pitchFamily="18" charset="0"/>
+              </a:rPr>
+              <a:t>Concat + Conv * 5</a:t>
+            </a:r>
+            <a:endParaRPr lang="zh-CN" altLang="en-US" dirty="0">
+              <a:solidFill>
+                <a:schemeClr val="tx1"/>
+              </a:solidFill>
+              <a:latin typeface="Times New Roman" panose="02020603050405020304" pitchFamily="18" charset="0"/>
+              <a:ea typeface="宋体" panose="02010600030101010101" pitchFamily="2" charset="-122"/>
+              <a:cs typeface="Times New Roman" panose="02020603050405020304" pitchFamily="18" charset="0"/>
+            </a:endParaRPr>
+          </a:p>
+        </p:txBody>
+      </p:sp>
+      <p:cxnSp>
+        <p:nvCxnSpPr>
+          <p:cNvPr id="105" name="直接箭头连接符 104">
+            <a:extLst>
+              <a:ext uri="{FF2B5EF4-FFF2-40B4-BE49-F238E27FC236}">
+                <a16:creationId xmlns:a16="http://schemas.microsoft.com/office/drawing/2014/main" id="{67D4A875-5596-4E9D-B0B6-ADC5956D4C8E}"/>
+              </a:ext>
+            </a:extLst>
+          </p:cNvPr>
+          <p:cNvCxnSpPr>
+            <a:cxnSpLocks/>
+            <a:stCxn id="57" idx="3"/>
+            <a:endCxn id="102" idx="1"/>
+          </p:cNvCxnSpPr>
+          <p:nvPr/>
+        </p:nvCxnSpPr>
+        <p:spPr>
+          <a:xfrm flipV="1">
+            <a:off x="17251109" y="9496244"/>
+            <a:ext cx="5463203" cy="17696"/>
+          </a:xfrm>
+          <a:prstGeom prst="straightConnector1">
+            <a:avLst/>
+          </a:prstGeom>
+          <a:ln w="57150">
+            <a:solidFill>
+              <a:schemeClr val="tx1"/>
+            </a:solidFill>
+            <a:tailEnd type="triangle"/>
+          </a:ln>
+        </p:spPr>
+        <p:style>
+          <a:lnRef idx="1">
+            <a:schemeClr val="accent1"/>
+          </a:lnRef>
+          <a:fillRef idx="0">
+            <a:schemeClr val="accent1"/>
+          </a:fillRef>
+          <a:effectRef idx="0">
+            <a:schemeClr val="accent1"/>
+          </a:effectRef>
+          <a:fontRef idx="minor">
+            <a:schemeClr val="tx1"/>
+          </a:fontRef>
+        </p:style>
+      </p:cxnSp>
+      <p:cxnSp>
+        <p:nvCxnSpPr>
+          <p:cNvPr id="108" name="直接箭头连接符 107">
+            <a:extLst>
+              <a:ext uri="{FF2B5EF4-FFF2-40B4-BE49-F238E27FC236}">
+                <a16:creationId xmlns:a16="http://schemas.microsoft.com/office/drawing/2014/main" id="{56CA2080-74BD-4FB7-9C0A-0C1B2BF187A6}"/>
+              </a:ext>
+            </a:extLst>
+          </p:cNvPr>
+          <p:cNvCxnSpPr>
+            <a:cxnSpLocks/>
+            <a:stCxn id="102" idx="3"/>
+            <a:endCxn id="139" idx="1"/>
+          </p:cNvCxnSpPr>
+          <p:nvPr/>
+        </p:nvCxnSpPr>
+        <p:spPr>
+          <a:xfrm>
+            <a:off x="24729747" y="9496244"/>
+            <a:ext cx="1560450" cy="0"/>
+          </a:xfrm>
+          <a:prstGeom prst="straightConnector1">
+            <a:avLst/>
+          </a:prstGeom>
+          <a:ln w="57150">
+            <a:solidFill>
+              <a:schemeClr val="tx1"/>
+            </a:solidFill>
+            <a:tailEnd type="triangle"/>
+          </a:ln>
+        </p:spPr>
+        <p:style>
+          <a:lnRef idx="1">
+            <a:schemeClr val="accent1"/>
+          </a:lnRef>
+          <a:fillRef idx="0">
+            <a:schemeClr val="accent1"/>
+          </a:fillRef>
+          <a:effectRef idx="0">
+            <a:schemeClr val="accent1"/>
+          </a:effectRef>
+          <a:fontRef idx="minor">
+            <a:schemeClr val="tx1"/>
+          </a:fontRef>
+        </p:style>
+      </p:cxnSp>
+      <p:cxnSp>
+        <p:nvCxnSpPr>
+          <p:cNvPr id="111" name="直接箭头连接符 110">
+            <a:extLst>
+              <a:ext uri="{FF2B5EF4-FFF2-40B4-BE49-F238E27FC236}">
+                <a16:creationId xmlns:a16="http://schemas.microsoft.com/office/drawing/2014/main" id="{E331898E-2812-47E4-AD4E-02EF6CB80E71}"/>
+              </a:ext>
+            </a:extLst>
+          </p:cNvPr>
+          <p:cNvCxnSpPr>
+            <a:cxnSpLocks/>
+            <a:stCxn id="129" idx="2"/>
+            <a:endCxn id="145" idx="0"/>
+          </p:cNvCxnSpPr>
+          <p:nvPr/>
+        </p:nvCxnSpPr>
+        <p:spPr>
+          <a:xfrm flipH="1">
+            <a:off x="23722034" y="5967025"/>
+            <a:ext cx="5" cy="1375491"/>
+          </a:xfrm>
+          <a:prstGeom prst="straightConnector1">
+            <a:avLst/>
+          </a:prstGeom>
+          <a:ln w="57150">
+            <a:solidFill>
+              <a:schemeClr val="tx1"/>
+            </a:solidFill>
+            <a:tailEnd type="triangle"/>
+          </a:ln>
+        </p:spPr>
+        <p:style>
+          <a:lnRef idx="1">
+            <a:schemeClr val="accent1"/>
+          </a:lnRef>
+          <a:fillRef idx="0">
+            <a:schemeClr val="accent1"/>
+          </a:fillRef>
+          <a:effectRef idx="0">
+            <a:schemeClr val="accent1"/>
+          </a:effectRef>
+          <a:fontRef idx="minor">
+            <a:schemeClr val="tx1"/>
+          </a:fontRef>
+        </p:style>
+      </p:cxnSp>
+      <p:cxnSp>
+        <p:nvCxnSpPr>
+          <p:cNvPr id="114" name="直接箭头连接符 113">
+            <a:extLst>
+              <a:ext uri="{FF2B5EF4-FFF2-40B4-BE49-F238E27FC236}">
+                <a16:creationId xmlns:a16="http://schemas.microsoft.com/office/drawing/2014/main" id="{3F06ED87-9AD7-4D20-8E21-751AFCF982BB}"/>
+              </a:ext>
+            </a:extLst>
+          </p:cNvPr>
+          <p:cNvCxnSpPr>
+            <a:cxnSpLocks/>
+            <a:stCxn id="143" idx="0"/>
+            <a:endCxn id="59" idx="2"/>
+          </p:cNvCxnSpPr>
+          <p:nvPr/>
+        </p:nvCxnSpPr>
+        <p:spPr>
+          <a:xfrm flipH="1" flipV="1">
+            <a:off x="20624335" y="4339948"/>
+            <a:ext cx="1" cy="291675"/>
+          </a:xfrm>
+          <a:prstGeom prst="straightConnector1">
+            <a:avLst/>
+          </a:prstGeom>
+          <a:ln w="57150">
+            <a:solidFill>
+              <a:schemeClr val="tx1"/>
+            </a:solidFill>
+            <a:tailEnd type="triangle"/>
+          </a:ln>
+        </p:spPr>
+        <p:style>
+          <a:lnRef idx="1">
+            <a:schemeClr val="accent1"/>
+          </a:lnRef>
+          <a:fillRef idx="0">
+            <a:schemeClr val="accent1"/>
+          </a:fillRef>
+          <a:effectRef idx="0">
+            <a:schemeClr val="accent1"/>
+          </a:effectRef>
+          <a:fontRef idx="minor">
+            <a:schemeClr val="tx1"/>
+          </a:fontRef>
+        </p:style>
+      </p:cxnSp>
+      <p:cxnSp>
+        <p:nvCxnSpPr>
+          <p:cNvPr id="117" name="直接箭头连接符 116">
+            <a:extLst>
+              <a:ext uri="{FF2B5EF4-FFF2-40B4-BE49-F238E27FC236}">
+                <a16:creationId xmlns:a16="http://schemas.microsoft.com/office/drawing/2014/main" id="{40F4FCCB-FDC8-469C-B157-22E4DCD7138A}"/>
+              </a:ext>
+            </a:extLst>
+          </p:cNvPr>
+          <p:cNvCxnSpPr>
+            <a:cxnSpLocks/>
+            <a:stCxn id="69" idx="0"/>
+            <a:endCxn id="127" idx="2"/>
+          </p:cNvCxnSpPr>
+          <p:nvPr/>
+        </p:nvCxnSpPr>
+        <p:spPr>
+          <a:xfrm flipV="1">
+            <a:off x="20621304" y="5970217"/>
+            <a:ext cx="3036" cy="1365346"/>
+          </a:xfrm>
+          <a:prstGeom prst="straightConnector1">
+            <a:avLst/>
+          </a:prstGeom>
+          <a:ln w="57150">
+            <a:solidFill>
+              <a:schemeClr val="tx1"/>
+            </a:solidFill>
+            <a:tailEnd type="triangle"/>
+          </a:ln>
+        </p:spPr>
+        <p:style>
+          <a:lnRef idx="1">
+            <a:schemeClr val="accent1"/>
+          </a:lnRef>
+          <a:fillRef idx="0">
+            <a:schemeClr val="accent1"/>
+          </a:fillRef>
+          <a:effectRef idx="0">
+            <a:schemeClr val="accent1"/>
+          </a:effectRef>
+          <a:fontRef idx="minor">
+            <a:schemeClr val="tx1"/>
+          </a:fontRef>
+        </p:style>
+      </p:cxnSp>
+      <p:cxnSp>
+        <p:nvCxnSpPr>
+          <p:cNvPr id="120" name="直接箭头连接符 119">
+            <a:extLst>
+              <a:ext uri="{FF2B5EF4-FFF2-40B4-BE49-F238E27FC236}">
+                <a16:creationId xmlns:a16="http://schemas.microsoft.com/office/drawing/2014/main" id="{2EBC1408-F363-4233-A68B-3CBC548F6DC5}"/>
+              </a:ext>
+            </a:extLst>
+          </p:cNvPr>
+          <p:cNvCxnSpPr>
+            <a:cxnSpLocks/>
+            <a:stCxn id="127" idx="3"/>
+            <a:endCxn id="129" idx="1"/>
+          </p:cNvCxnSpPr>
+          <p:nvPr/>
+        </p:nvCxnSpPr>
+        <p:spPr>
+          <a:xfrm flipV="1">
+            <a:off x="21632057" y="5705295"/>
+            <a:ext cx="1082264" cy="3192"/>
+          </a:xfrm>
+          <a:prstGeom prst="straightConnector1">
+            <a:avLst/>
+          </a:prstGeom>
+          <a:ln w="57150">
+            <a:solidFill>
+              <a:schemeClr val="tx1"/>
+            </a:solidFill>
+            <a:tailEnd type="triangle"/>
+          </a:ln>
+        </p:spPr>
+        <p:style>
+          <a:lnRef idx="1">
+            <a:schemeClr val="accent1"/>
+          </a:lnRef>
+          <a:fillRef idx="0">
+            <a:schemeClr val="accent1"/>
+          </a:fillRef>
+          <a:effectRef idx="0">
+            <a:schemeClr val="accent1"/>
+          </a:effectRef>
+          <a:fontRef idx="minor">
+            <a:schemeClr val="tx1"/>
+          </a:fontRef>
+        </p:style>
+      </p:cxnSp>
+      <p:sp>
+        <p:nvSpPr>
+          <p:cNvPr id="127" name="矩形 126">
+            <a:extLst>
+              <a:ext uri="{FF2B5EF4-FFF2-40B4-BE49-F238E27FC236}">
+                <a16:creationId xmlns:a16="http://schemas.microsoft.com/office/drawing/2014/main" id="{704310A6-7BE3-4BBA-86F5-B0255A51E87A}"/>
+              </a:ext>
+            </a:extLst>
+          </p:cNvPr>
+          <p:cNvSpPr/>
+          <p:nvPr/>
+        </p:nvSpPr>
+        <p:spPr>
+          <a:xfrm>
+            <a:off x="19616622" y="5446757"/>
+            <a:ext cx="2015435" cy="523460"/>
+          </a:xfrm>
+          <a:prstGeom prst="rect">
+            <a:avLst/>
+          </a:prstGeom>
+          <a:solidFill>
+            <a:srgbClr val="00B0F0"/>
+          </a:solidFill>
+          <a:ln>
+            <a:solidFill>
+              <a:srgbClr val="00B0F0"/>
+            </a:solidFill>
+          </a:ln>
+        </p:spPr>
+        <p:style>
+          <a:lnRef idx="2">
+            <a:schemeClr val="accent1">
+              <a:shade val="50000"/>
+            </a:schemeClr>
+          </a:lnRef>
+          <a:fillRef idx="1">
+            <a:schemeClr val="accent1"/>
+          </a:fillRef>
+          <a:effectRef idx="0">
+            <a:schemeClr val="accent1"/>
+          </a:effectRef>
+          <a:fontRef idx="minor">
+            <a:schemeClr val="lt1"/>
+          </a:fontRef>
+        </p:style>
+        <p:txBody>
+          <a:bodyPr rtlCol="0" anchor="ctr"/>
+          <a:lstStyle/>
+          <a:p>
+            <a:pPr algn="ctr"/>
+            <a:r>
+              <a:rPr lang="en-US" altLang="zh-CN" dirty="0">
+                <a:solidFill>
+                  <a:schemeClr val="tx1"/>
+                </a:solidFill>
+                <a:latin typeface="Times New Roman" panose="02020603050405020304" pitchFamily="18" charset="0"/>
+                <a:ea typeface="宋体" panose="02010600030101010101" pitchFamily="2" charset="-122"/>
+                <a:cs typeface="Times New Roman" panose="02020603050405020304" pitchFamily="18" charset="0"/>
+              </a:rPr>
+              <a:t>Concat + Conv * 5</a:t>
+            </a:r>
+            <a:endParaRPr lang="zh-CN" altLang="en-US" dirty="0">
+              <a:solidFill>
+                <a:schemeClr val="tx1"/>
+              </a:solidFill>
+              <a:latin typeface="Times New Roman" panose="02020603050405020304" pitchFamily="18" charset="0"/>
+              <a:ea typeface="宋体" panose="02010600030101010101" pitchFamily="2" charset="-122"/>
+              <a:cs typeface="Times New Roman" panose="02020603050405020304" pitchFamily="18" charset="0"/>
+            </a:endParaRPr>
+          </a:p>
+        </p:txBody>
+      </p:sp>
+      <p:sp>
+        <p:nvSpPr>
+          <p:cNvPr id="129" name="矩形 128">
+            <a:extLst>
+              <a:ext uri="{FF2B5EF4-FFF2-40B4-BE49-F238E27FC236}">
+                <a16:creationId xmlns:a16="http://schemas.microsoft.com/office/drawing/2014/main" id="{0E1B18CC-A40B-47ED-A3AA-71A6E3847A1F}"/>
+              </a:ext>
+            </a:extLst>
+          </p:cNvPr>
+          <p:cNvSpPr/>
+          <p:nvPr/>
+        </p:nvSpPr>
+        <p:spPr>
+          <a:xfrm>
+            <a:off x="22714321" y="5443565"/>
+            <a:ext cx="2015435" cy="523460"/>
+          </a:xfrm>
+          <a:prstGeom prst="rect">
+            <a:avLst/>
+          </a:prstGeom>
+          <a:solidFill>
+            <a:srgbClr val="00B0F0"/>
+          </a:solidFill>
+          <a:ln>
+            <a:solidFill>
+              <a:srgbClr val="00B0F0"/>
+            </a:solidFill>
+          </a:ln>
+        </p:spPr>
+        <p:style>
+          <a:lnRef idx="2">
+            <a:schemeClr val="accent1">
+              <a:shade val="50000"/>
+            </a:schemeClr>
+          </a:lnRef>
+          <a:fillRef idx="1">
+            <a:schemeClr val="accent1"/>
+          </a:fillRef>
+          <a:effectRef idx="0">
+            <a:schemeClr val="accent1"/>
+          </a:effectRef>
+          <a:fontRef idx="minor">
+            <a:schemeClr val="lt1"/>
+          </a:fontRef>
+        </p:style>
+        <p:txBody>
+          <a:bodyPr rtlCol="0" anchor="ctr"/>
+          <a:lstStyle/>
+          <a:p>
+            <a:pPr algn="ctr"/>
+            <a:r>
+              <a:rPr lang="en-US" altLang="zh-CN" dirty="0">
+                <a:solidFill>
+                  <a:schemeClr val="tx1"/>
+                </a:solidFill>
+                <a:latin typeface="Times New Roman" panose="02020603050405020304" pitchFamily="18" charset="0"/>
+                <a:ea typeface="宋体" panose="02010600030101010101" pitchFamily="2" charset="-122"/>
+                <a:cs typeface="Times New Roman" panose="02020603050405020304" pitchFamily="18" charset="0"/>
+              </a:rPr>
+              <a:t>Concat + Conv * 5</a:t>
+            </a:r>
+            <a:endParaRPr lang="zh-CN" altLang="en-US" dirty="0">
+              <a:solidFill>
+                <a:schemeClr val="tx1"/>
+              </a:solidFill>
+              <a:latin typeface="Times New Roman" panose="02020603050405020304" pitchFamily="18" charset="0"/>
+              <a:ea typeface="宋体" panose="02010600030101010101" pitchFamily="2" charset="-122"/>
+              <a:cs typeface="Times New Roman" panose="02020603050405020304" pitchFamily="18" charset="0"/>
+            </a:endParaRPr>
+          </a:p>
+        </p:txBody>
+      </p:sp>
+      <p:sp>
+        <p:nvSpPr>
+          <p:cNvPr id="135" name="矩形 134">
+            <a:extLst>
+              <a:ext uri="{FF2B5EF4-FFF2-40B4-BE49-F238E27FC236}">
+                <a16:creationId xmlns:a16="http://schemas.microsoft.com/office/drawing/2014/main" id="{40BCB731-B080-4D30-A07E-9E74ADCF5E27}"/>
+              </a:ext>
+            </a:extLst>
+          </p:cNvPr>
+          <p:cNvSpPr/>
+          <p:nvPr/>
+        </p:nvSpPr>
+        <p:spPr>
+          <a:xfrm>
+            <a:off x="26290197" y="3816488"/>
+            <a:ext cx="2015435" cy="523460"/>
+          </a:xfrm>
+          <a:prstGeom prst="rect">
+            <a:avLst/>
+          </a:prstGeom>
+          <a:solidFill>
+            <a:srgbClr val="7030A0"/>
+          </a:solidFill>
+          <a:ln>
+            <a:solidFill>
+              <a:srgbClr val="7030A0"/>
+            </a:solidFill>
+          </a:ln>
+        </p:spPr>
+        <p:style>
+          <a:lnRef idx="2">
+            <a:schemeClr val="accent1">
+              <a:shade val="50000"/>
+            </a:schemeClr>
+          </a:lnRef>
+          <a:fillRef idx="1">
+            <a:schemeClr val="accent1"/>
+          </a:fillRef>
+          <a:effectRef idx="0">
+            <a:schemeClr val="accent1"/>
+          </a:effectRef>
+          <a:fontRef idx="minor">
+            <a:schemeClr val="lt1"/>
+          </a:fontRef>
+        </p:style>
+        <p:txBody>
+          <a:bodyPr rtlCol="0" anchor="ctr"/>
+          <a:lstStyle/>
+          <a:p>
+            <a:pPr algn="ctr"/>
+            <a:r>
+              <a:rPr lang="en-US" altLang="zh-CN" dirty="0">
+                <a:solidFill>
+                  <a:schemeClr val="tx1"/>
+                </a:solidFill>
+                <a:latin typeface="Times New Roman" panose="02020603050405020304" pitchFamily="18" charset="0"/>
+                <a:ea typeface="宋体" panose="02010600030101010101" pitchFamily="2" charset="-122"/>
+                <a:cs typeface="Times New Roman" panose="02020603050405020304" pitchFamily="18" charset="0"/>
+              </a:rPr>
+              <a:t>YOLOv3</a:t>
+            </a:r>
+            <a:r>
+              <a:rPr lang="zh-CN" altLang="en-US" dirty="0">
+                <a:solidFill>
+                  <a:schemeClr val="tx1"/>
+                </a:solidFill>
+                <a:latin typeface="Times New Roman" panose="02020603050405020304" pitchFamily="18" charset="0"/>
+                <a:ea typeface="宋体" panose="02010600030101010101" pitchFamily="2" charset="-122"/>
+                <a:cs typeface="Times New Roman" panose="02020603050405020304" pitchFamily="18" charset="0"/>
+              </a:rPr>
+              <a:t> </a:t>
+            </a:r>
+            <a:r>
+              <a:rPr lang="en-US" altLang="zh-CN" dirty="0">
+                <a:solidFill>
+                  <a:schemeClr val="tx1"/>
+                </a:solidFill>
+                <a:latin typeface="Times New Roman" panose="02020603050405020304" pitchFamily="18" charset="0"/>
+                <a:ea typeface="宋体" panose="02010600030101010101" pitchFamily="2" charset="-122"/>
+                <a:cs typeface="Times New Roman" panose="02020603050405020304" pitchFamily="18" charset="0"/>
+              </a:rPr>
+              <a:t>Head</a:t>
+            </a:r>
+            <a:endParaRPr lang="zh-CN" altLang="en-US" dirty="0">
+              <a:solidFill>
+                <a:schemeClr val="tx1"/>
+              </a:solidFill>
+              <a:latin typeface="Times New Roman" panose="02020603050405020304" pitchFamily="18" charset="0"/>
+              <a:ea typeface="宋体" panose="02010600030101010101" pitchFamily="2" charset="-122"/>
+              <a:cs typeface="Times New Roman" panose="02020603050405020304" pitchFamily="18" charset="0"/>
+            </a:endParaRPr>
+          </a:p>
+        </p:txBody>
+      </p:sp>
+      <p:sp>
+        <p:nvSpPr>
+          <p:cNvPr id="137" name="矩形 136">
+            <a:extLst>
+              <a:ext uri="{FF2B5EF4-FFF2-40B4-BE49-F238E27FC236}">
+                <a16:creationId xmlns:a16="http://schemas.microsoft.com/office/drawing/2014/main" id="{18C43479-3458-41FD-9BB2-382D2592BB01}"/>
+              </a:ext>
+            </a:extLst>
+          </p:cNvPr>
+          <p:cNvSpPr/>
+          <p:nvPr/>
+        </p:nvSpPr>
+        <p:spPr>
+          <a:xfrm>
+            <a:off x="26290197" y="5443565"/>
+            <a:ext cx="2015435" cy="523460"/>
+          </a:xfrm>
+          <a:prstGeom prst="rect">
+            <a:avLst/>
+          </a:prstGeom>
+          <a:solidFill>
+            <a:srgbClr val="7030A0"/>
+          </a:solidFill>
+          <a:ln>
+            <a:solidFill>
+              <a:srgbClr val="7030A0"/>
+            </a:solidFill>
+          </a:ln>
+        </p:spPr>
+        <p:style>
+          <a:lnRef idx="2">
+            <a:schemeClr val="accent1">
+              <a:shade val="50000"/>
+            </a:schemeClr>
+          </a:lnRef>
+          <a:fillRef idx="1">
+            <a:schemeClr val="accent1"/>
+          </a:fillRef>
+          <a:effectRef idx="0">
+            <a:schemeClr val="accent1"/>
+          </a:effectRef>
+          <a:fontRef idx="minor">
+            <a:schemeClr val="lt1"/>
+          </a:fontRef>
+        </p:style>
+        <p:txBody>
+          <a:bodyPr rtlCol="0" anchor="ctr"/>
+          <a:lstStyle/>
+          <a:p>
+            <a:pPr algn="ctr"/>
+            <a:r>
+              <a:rPr lang="en-US" altLang="zh-CN" dirty="0">
+                <a:solidFill>
+                  <a:schemeClr val="tx1"/>
+                </a:solidFill>
+                <a:latin typeface="Times New Roman" panose="02020603050405020304" pitchFamily="18" charset="0"/>
+                <a:ea typeface="宋体" panose="02010600030101010101" pitchFamily="2" charset="-122"/>
+                <a:cs typeface="Times New Roman" panose="02020603050405020304" pitchFamily="18" charset="0"/>
+              </a:rPr>
+              <a:t>YOLOv3</a:t>
+            </a:r>
+            <a:r>
+              <a:rPr lang="zh-CN" altLang="en-US" dirty="0">
+                <a:solidFill>
+                  <a:schemeClr val="tx1"/>
+                </a:solidFill>
+                <a:latin typeface="Times New Roman" panose="02020603050405020304" pitchFamily="18" charset="0"/>
+                <a:ea typeface="宋体" panose="02010600030101010101" pitchFamily="2" charset="-122"/>
+                <a:cs typeface="Times New Roman" panose="02020603050405020304" pitchFamily="18" charset="0"/>
+              </a:rPr>
+              <a:t> </a:t>
+            </a:r>
+            <a:r>
+              <a:rPr lang="en-US" altLang="zh-CN" dirty="0">
+                <a:solidFill>
+                  <a:schemeClr val="tx1"/>
+                </a:solidFill>
+                <a:latin typeface="Times New Roman" panose="02020603050405020304" pitchFamily="18" charset="0"/>
+                <a:ea typeface="宋体" panose="02010600030101010101" pitchFamily="2" charset="-122"/>
+                <a:cs typeface="Times New Roman" panose="02020603050405020304" pitchFamily="18" charset="0"/>
+              </a:rPr>
+              <a:t>Head</a:t>
+            </a:r>
+            <a:endParaRPr lang="zh-CN" altLang="en-US" dirty="0">
+              <a:solidFill>
+                <a:schemeClr val="tx1"/>
+              </a:solidFill>
+              <a:latin typeface="Times New Roman" panose="02020603050405020304" pitchFamily="18" charset="0"/>
+              <a:ea typeface="宋体" panose="02010600030101010101" pitchFamily="2" charset="-122"/>
+              <a:cs typeface="Times New Roman" panose="02020603050405020304" pitchFamily="18" charset="0"/>
+            </a:endParaRPr>
+          </a:p>
+        </p:txBody>
+      </p:sp>
+      <p:sp>
+        <p:nvSpPr>
+          <p:cNvPr id="139" name="矩形 138">
+            <a:extLst>
+              <a:ext uri="{FF2B5EF4-FFF2-40B4-BE49-F238E27FC236}">
+                <a16:creationId xmlns:a16="http://schemas.microsoft.com/office/drawing/2014/main" id="{33841BBC-D38E-4D58-9F63-73D3BDE8C3E7}"/>
+              </a:ext>
+            </a:extLst>
+          </p:cNvPr>
+          <p:cNvSpPr/>
+          <p:nvPr/>
+        </p:nvSpPr>
+        <p:spPr>
+          <a:xfrm>
+            <a:off x="26290197" y="9234514"/>
+            <a:ext cx="2015435" cy="523460"/>
+          </a:xfrm>
+          <a:prstGeom prst="rect">
+            <a:avLst/>
+          </a:prstGeom>
+          <a:solidFill>
+            <a:srgbClr val="7030A0"/>
+          </a:solidFill>
+          <a:ln>
+            <a:solidFill>
+              <a:srgbClr val="7030A0"/>
+            </a:solidFill>
+          </a:ln>
+        </p:spPr>
+        <p:style>
+          <a:lnRef idx="2">
+            <a:schemeClr val="accent1">
+              <a:shade val="50000"/>
+            </a:schemeClr>
+          </a:lnRef>
+          <a:fillRef idx="1">
+            <a:schemeClr val="accent1"/>
+          </a:fillRef>
+          <a:effectRef idx="0">
+            <a:schemeClr val="accent1"/>
+          </a:effectRef>
+          <a:fontRef idx="minor">
+            <a:schemeClr val="lt1"/>
+          </a:fontRef>
+        </p:style>
+        <p:txBody>
+          <a:bodyPr rtlCol="0" anchor="ctr"/>
+          <a:lstStyle/>
+          <a:p>
+            <a:pPr algn="ctr"/>
+            <a:r>
+              <a:rPr lang="en-US" altLang="zh-CN" dirty="0">
+                <a:solidFill>
+                  <a:schemeClr val="tx1"/>
+                </a:solidFill>
+                <a:latin typeface="Times New Roman" panose="02020603050405020304" pitchFamily="18" charset="0"/>
+                <a:ea typeface="宋体" panose="02010600030101010101" pitchFamily="2" charset="-122"/>
+                <a:cs typeface="Times New Roman" panose="02020603050405020304" pitchFamily="18" charset="0"/>
+              </a:rPr>
+              <a:t>YOLOv3</a:t>
+            </a:r>
+            <a:r>
+              <a:rPr lang="zh-CN" altLang="en-US" dirty="0">
+                <a:solidFill>
+                  <a:schemeClr val="tx1"/>
+                </a:solidFill>
+                <a:latin typeface="Times New Roman" panose="02020603050405020304" pitchFamily="18" charset="0"/>
+                <a:ea typeface="宋体" panose="02010600030101010101" pitchFamily="2" charset="-122"/>
+                <a:cs typeface="Times New Roman" panose="02020603050405020304" pitchFamily="18" charset="0"/>
+              </a:rPr>
+              <a:t> </a:t>
+            </a:r>
+            <a:r>
+              <a:rPr lang="en-US" altLang="zh-CN" dirty="0">
+                <a:solidFill>
+                  <a:schemeClr val="tx1"/>
+                </a:solidFill>
+                <a:latin typeface="Times New Roman" panose="02020603050405020304" pitchFamily="18" charset="0"/>
+                <a:ea typeface="宋体" panose="02010600030101010101" pitchFamily="2" charset="-122"/>
+                <a:cs typeface="Times New Roman" panose="02020603050405020304" pitchFamily="18" charset="0"/>
+              </a:rPr>
+              <a:t>Head</a:t>
+            </a:r>
+            <a:endParaRPr lang="zh-CN" altLang="en-US" dirty="0">
+              <a:solidFill>
+                <a:schemeClr val="tx1"/>
+              </a:solidFill>
+              <a:latin typeface="Times New Roman" panose="02020603050405020304" pitchFamily="18" charset="0"/>
+              <a:ea typeface="宋体" panose="02010600030101010101" pitchFamily="2" charset="-122"/>
+              <a:cs typeface="Times New Roman" panose="02020603050405020304" pitchFamily="18" charset="0"/>
+            </a:endParaRPr>
+          </a:p>
+        </p:txBody>
+      </p:sp>
+      <p:sp>
+        <p:nvSpPr>
+          <p:cNvPr id="143" name="矩形 142">
+            <a:extLst>
+              <a:ext uri="{FF2B5EF4-FFF2-40B4-BE49-F238E27FC236}">
+                <a16:creationId xmlns:a16="http://schemas.microsoft.com/office/drawing/2014/main" id="{019501EA-9970-4DCA-85E3-A398E79D4E3D}"/>
+              </a:ext>
+            </a:extLst>
+          </p:cNvPr>
+          <p:cNvSpPr/>
+          <p:nvPr/>
+        </p:nvSpPr>
+        <p:spPr>
+          <a:xfrm>
+            <a:off x="19616622" y="4631623"/>
+            <a:ext cx="2015427" cy="523460"/>
+          </a:xfrm>
+          <a:prstGeom prst="rect">
+            <a:avLst/>
+          </a:prstGeom>
+          <a:solidFill>
+            <a:srgbClr val="00B0F0"/>
+          </a:solidFill>
+          <a:ln>
+            <a:solidFill>
+              <a:srgbClr val="00B0F0"/>
+            </a:solidFill>
+          </a:ln>
+        </p:spPr>
+        <p:style>
+          <a:lnRef idx="2">
+            <a:schemeClr val="accent1">
+              <a:shade val="50000"/>
+            </a:schemeClr>
+          </a:lnRef>
+          <a:fillRef idx="1">
+            <a:schemeClr val="accent1"/>
+          </a:fillRef>
+          <a:effectRef idx="0">
+            <a:schemeClr val="accent1"/>
+          </a:effectRef>
+          <a:fontRef idx="minor">
+            <a:schemeClr val="lt1"/>
+          </a:fontRef>
+        </p:style>
+        <p:txBody>
+          <a:bodyPr rtlCol="0" anchor="ctr"/>
+          <a:lstStyle/>
+          <a:p>
+            <a:pPr algn="ctr"/>
+            <a:r>
+              <a:rPr lang="en-US" altLang="zh-CN" dirty="0">
+                <a:solidFill>
+                  <a:schemeClr val="tx1"/>
+                </a:solidFill>
+                <a:latin typeface="Times New Roman" panose="02020603050405020304" pitchFamily="18" charset="0"/>
+                <a:ea typeface="宋体" panose="02010600030101010101" pitchFamily="2" charset="-122"/>
+                <a:cs typeface="Times New Roman" panose="02020603050405020304" pitchFamily="18" charset="0"/>
+              </a:rPr>
+              <a:t>UpSample</a:t>
+            </a:r>
+            <a:endParaRPr lang="zh-CN" altLang="en-US" dirty="0">
+              <a:solidFill>
+                <a:schemeClr val="tx1"/>
+              </a:solidFill>
+              <a:latin typeface="Times New Roman" panose="02020603050405020304" pitchFamily="18" charset="0"/>
+              <a:ea typeface="宋体" panose="02010600030101010101" pitchFamily="2" charset="-122"/>
+              <a:cs typeface="Times New Roman" panose="02020603050405020304" pitchFamily="18" charset="0"/>
+            </a:endParaRPr>
+          </a:p>
+        </p:txBody>
+      </p:sp>
+      <p:sp>
+        <p:nvSpPr>
+          <p:cNvPr id="145" name="矩形 144">
+            <a:extLst>
+              <a:ext uri="{FF2B5EF4-FFF2-40B4-BE49-F238E27FC236}">
+                <a16:creationId xmlns:a16="http://schemas.microsoft.com/office/drawing/2014/main" id="{44FB302D-13FF-487F-9B0C-665A95DEFA47}"/>
+              </a:ext>
+            </a:extLst>
+          </p:cNvPr>
+          <p:cNvSpPr/>
+          <p:nvPr/>
+        </p:nvSpPr>
+        <p:spPr>
+          <a:xfrm>
+            <a:off x="22714320" y="7342516"/>
+            <a:ext cx="2015427" cy="523460"/>
+          </a:xfrm>
+          <a:prstGeom prst="rect">
+            <a:avLst/>
+          </a:prstGeom>
+          <a:solidFill>
+            <a:srgbClr val="00B0F0"/>
+          </a:solidFill>
+          <a:ln>
+            <a:solidFill>
+              <a:srgbClr val="00B0F0"/>
+            </a:solidFill>
+          </a:ln>
+        </p:spPr>
+        <p:style>
+          <a:lnRef idx="2">
+            <a:schemeClr val="accent1">
+              <a:shade val="50000"/>
+            </a:schemeClr>
+          </a:lnRef>
+          <a:fillRef idx="1">
+            <a:schemeClr val="accent1"/>
+          </a:fillRef>
+          <a:effectRef idx="0">
+            <a:schemeClr val="accent1"/>
+          </a:effectRef>
+          <a:fontRef idx="minor">
+            <a:schemeClr val="lt1"/>
+          </a:fontRef>
+        </p:style>
+        <p:txBody>
+          <a:bodyPr rtlCol="0" anchor="ctr"/>
+          <a:lstStyle/>
+          <a:p>
+            <a:pPr algn="ctr"/>
+            <a:r>
+              <a:rPr lang="en-US" altLang="zh-CN" dirty="0">
+                <a:solidFill>
+                  <a:schemeClr val="tx1"/>
+                </a:solidFill>
+                <a:latin typeface="Times New Roman" panose="02020603050405020304" pitchFamily="18" charset="0"/>
+                <a:ea typeface="宋体" panose="02010600030101010101" pitchFamily="2" charset="-122"/>
+                <a:cs typeface="Times New Roman" panose="02020603050405020304" pitchFamily="18" charset="0"/>
+              </a:rPr>
+              <a:t>DownSample</a:t>
+            </a:r>
+            <a:endParaRPr lang="zh-CN" altLang="en-US" dirty="0">
+              <a:solidFill>
+                <a:schemeClr val="tx1"/>
+              </a:solidFill>
+              <a:latin typeface="Times New Roman" panose="02020603050405020304" pitchFamily="18" charset="0"/>
+              <a:ea typeface="宋体" panose="02010600030101010101" pitchFamily="2" charset="-122"/>
+              <a:cs typeface="Times New Roman" panose="02020603050405020304" pitchFamily="18" charset="0"/>
+            </a:endParaRPr>
+          </a:p>
+        </p:txBody>
+      </p:sp>
+      <p:sp>
+        <p:nvSpPr>
+          <p:cNvPr id="147" name="矩形 146">
+            <a:extLst>
+              <a:ext uri="{FF2B5EF4-FFF2-40B4-BE49-F238E27FC236}">
+                <a16:creationId xmlns:a16="http://schemas.microsoft.com/office/drawing/2014/main" id="{B9EC1BF6-3527-4442-8A95-291A97E06BAD}"/>
+              </a:ext>
+            </a:extLst>
+          </p:cNvPr>
+          <p:cNvSpPr/>
+          <p:nvPr/>
+        </p:nvSpPr>
+        <p:spPr>
+          <a:xfrm>
+            <a:off x="22714321" y="4630506"/>
+            <a:ext cx="2015427" cy="523460"/>
+          </a:xfrm>
+          <a:prstGeom prst="rect">
+            <a:avLst/>
+          </a:prstGeom>
+          <a:solidFill>
+            <a:srgbClr val="00B0F0"/>
+          </a:solidFill>
+          <a:ln>
+            <a:solidFill>
+              <a:srgbClr val="00B0F0"/>
+            </a:solidFill>
+          </a:ln>
+        </p:spPr>
+        <p:style>
+          <a:lnRef idx="2">
+            <a:schemeClr val="accent1">
+              <a:shade val="50000"/>
+            </a:schemeClr>
+          </a:lnRef>
+          <a:fillRef idx="1">
+            <a:schemeClr val="accent1"/>
+          </a:fillRef>
+          <a:effectRef idx="0">
+            <a:schemeClr val="accent1"/>
+          </a:effectRef>
+          <a:fontRef idx="minor">
+            <a:schemeClr val="lt1"/>
+          </a:fontRef>
+        </p:style>
+        <p:txBody>
+          <a:bodyPr rtlCol="0" anchor="ctr"/>
+          <a:lstStyle/>
+          <a:p>
+            <a:pPr algn="ctr"/>
+            <a:r>
+              <a:rPr lang="en-US" altLang="zh-CN" dirty="0">
+                <a:solidFill>
+                  <a:schemeClr val="tx1"/>
+                </a:solidFill>
+                <a:latin typeface="Times New Roman" panose="02020603050405020304" pitchFamily="18" charset="0"/>
+                <a:ea typeface="宋体" panose="02010600030101010101" pitchFamily="2" charset="-122"/>
+                <a:cs typeface="Times New Roman" panose="02020603050405020304" pitchFamily="18" charset="0"/>
+              </a:rPr>
+              <a:t>DownSample</a:t>
+            </a:r>
+            <a:endParaRPr lang="zh-CN" altLang="en-US" dirty="0">
+              <a:solidFill>
+                <a:schemeClr val="tx1"/>
+              </a:solidFill>
+              <a:latin typeface="Times New Roman" panose="02020603050405020304" pitchFamily="18" charset="0"/>
+              <a:ea typeface="宋体" panose="02010600030101010101" pitchFamily="2" charset="-122"/>
+              <a:cs typeface="Times New Roman" panose="02020603050405020304" pitchFamily="18" charset="0"/>
+            </a:endParaRPr>
+          </a:p>
+        </p:txBody>
+      </p:sp>
+      <p:cxnSp>
+        <p:nvCxnSpPr>
+          <p:cNvPr id="149" name="直接箭头连接符 148">
+            <a:extLst>
+              <a:ext uri="{FF2B5EF4-FFF2-40B4-BE49-F238E27FC236}">
+                <a16:creationId xmlns:a16="http://schemas.microsoft.com/office/drawing/2014/main" id="{46133EA2-A1F5-4CF6-A826-5E6397D24E95}"/>
+              </a:ext>
+            </a:extLst>
+          </p:cNvPr>
+          <p:cNvCxnSpPr>
+            <a:cxnSpLocks/>
+            <a:stCxn id="59" idx="3"/>
+            <a:endCxn id="135" idx="1"/>
+          </p:cNvCxnSpPr>
+          <p:nvPr/>
+        </p:nvCxnSpPr>
+        <p:spPr>
+          <a:xfrm>
+            <a:off x="21632048" y="4078218"/>
+            <a:ext cx="4658149" cy="0"/>
+          </a:xfrm>
+          <a:prstGeom prst="straightConnector1">
+            <a:avLst/>
+          </a:prstGeom>
+          <a:ln w="57150">
+            <a:solidFill>
+              <a:schemeClr val="tx1"/>
+            </a:solidFill>
+            <a:tailEnd type="triangle"/>
+          </a:ln>
+        </p:spPr>
+        <p:style>
+          <a:lnRef idx="1">
+            <a:schemeClr val="accent1"/>
+          </a:lnRef>
+          <a:fillRef idx="0">
+            <a:schemeClr val="accent1"/>
+          </a:fillRef>
+          <a:effectRef idx="0">
+            <a:schemeClr val="accent1"/>
+          </a:effectRef>
+          <a:fontRef idx="minor">
+            <a:schemeClr val="tx1"/>
+          </a:fontRef>
+        </p:style>
+      </p:cxnSp>
+      <p:cxnSp>
+        <p:nvCxnSpPr>
+          <p:cNvPr id="152" name="直接箭头连接符 151">
+            <a:extLst>
+              <a:ext uri="{FF2B5EF4-FFF2-40B4-BE49-F238E27FC236}">
+                <a16:creationId xmlns:a16="http://schemas.microsoft.com/office/drawing/2014/main" id="{EDEEDE51-E2A2-41B2-BD53-A3CB56A69055}"/>
+              </a:ext>
+            </a:extLst>
+          </p:cNvPr>
+          <p:cNvCxnSpPr>
+            <a:cxnSpLocks/>
+            <a:stCxn id="21" idx="3"/>
+            <a:endCxn id="59" idx="1"/>
+          </p:cNvCxnSpPr>
+          <p:nvPr/>
+        </p:nvCxnSpPr>
+        <p:spPr>
+          <a:xfrm>
+            <a:off x="18619947" y="4071721"/>
+            <a:ext cx="996675" cy="6497"/>
+          </a:xfrm>
+          <a:prstGeom prst="straightConnector1">
+            <a:avLst/>
+          </a:prstGeom>
+          <a:ln w="57150">
+            <a:solidFill>
+              <a:schemeClr val="tx1"/>
+            </a:solidFill>
+            <a:tailEnd type="triangle"/>
+          </a:ln>
+        </p:spPr>
+        <p:style>
+          <a:lnRef idx="1">
+            <a:schemeClr val="accent1"/>
+          </a:lnRef>
+          <a:fillRef idx="0">
+            <a:schemeClr val="accent1"/>
+          </a:fillRef>
+          <a:effectRef idx="0">
+            <a:schemeClr val="accent1"/>
+          </a:effectRef>
+          <a:fontRef idx="minor">
+            <a:schemeClr val="tx1"/>
+          </a:fontRef>
+        </p:style>
+      </p:cxnSp>
+      <p:cxnSp>
+        <p:nvCxnSpPr>
+          <p:cNvPr id="157" name="直接箭头连接符 156">
+            <a:extLst>
+              <a:ext uri="{FF2B5EF4-FFF2-40B4-BE49-F238E27FC236}">
+                <a16:creationId xmlns:a16="http://schemas.microsoft.com/office/drawing/2014/main" id="{4C159905-6E2F-4A21-8F73-7F8DFDA5615B}"/>
+              </a:ext>
+            </a:extLst>
+          </p:cNvPr>
+          <p:cNvCxnSpPr>
+            <a:cxnSpLocks/>
+            <a:endCxn id="147" idx="0"/>
+          </p:cNvCxnSpPr>
+          <p:nvPr/>
+        </p:nvCxnSpPr>
+        <p:spPr>
+          <a:xfrm>
+            <a:off x="23722035" y="4078218"/>
+            <a:ext cx="0" cy="552288"/>
+          </a:xfrm>
+          <a:prstGeom prst="straightConnector1">
+            <a:avLst/>
+          </a:prstGeom>
+          <a:ln w="57150">
+            <a:solidFill>
+              <a:schemeClr val="tx1"/>
+            </a:solidFill>
+            <a:tailEnd type="triangle"/>
+          </a:ln>
+        </p:spPr>
+        <p:style>
+          <a:lnRef idx="1">
+            <a:schemeClr val="accent1"/>
+          </a:lnRef>
+          <a:fillRef idx="0">
+            <a:schemeClr val="accent1"/>
+          </a:fillRef>
+          <a:effectRef idx="0">
+            <a:schemeClr val="accent1"/>
+          </a:effectRef>
+          <a:fontRef idx="minor">
+            <a:schemeClr val="tx1"/>
+          </a:fontRef>
+        </p:style>
+      </p:cxnSp>
+      <p:cxnSp>
+        <p:nvCxnSpPr>
+          <p:cNvPr id="163" name="连接符: 肘形 162">
+            <a:extLst>
+              <a:ext uri="{FF2B5EF4-FFF2-40B4-BE49-F238E27FC236}">
+                <a16:creationId xmlns:a16="http://schemas.microsoft.com/office/drawing/2014/main" id="{F7A5A77D-6FC9-42B9-9BE3-E82D46472229}"/>
+              </a:ext>
+            </a:extLst>
+          </p:cNvPr>
+          <p:cNvCxnSpPr>
+            <a:stCxn id="23" idx="3"/>
+            <a:endCxn id="127" idx="1"/>
+          </p:cNvCxnSpPr>
+          <p:nvPr/>
+        </p:nvCxnSpPr>
+        <p:spPr>
+          <a:xfrm>
+            <a:off x="18619947" y="4893353"/>
+            <a:ext cx="996675" cy="815134"/>
+          </a:xfrm>
+          <a:prstGeom prst="bentConnector3">
+            <a:avLst/>
+          </a:prstGeom>
+        </p:spPr>
+        <p:style>
+          <a:lnRef idx="1">
+            <a:schemeClr val="accent1"/>
+          </a:lnRef>
+          <a:fillRef idx="0">
+            <a:schemeClr val="accent1"/>
+          </a:fillRef>
+          <a:effectRef idx="0">
+            <a:schemeClr val="accent1"/>
+          </a:effectRef>
+          <a:fontRef idx="minor">
+            <a:schemeClr val="tx1"/>
+          </a:fontRef>
+        </p:style>
+      </p:cxnSp>
+      <p:cxnSp>
+        <p:nvCxnSpPr>
+          <p:cNvPr id="164" name="直接箭头连接符 163">
+            <a:extLst>
+              <a:ext uri="{FF2B5EF4-FFF2-40B4-BE49-F238E27FC236}">
+                <a16:creationId xmlns:a16="http://schemas.microsoft.com/office/drawing/2014/main" id="{641EE9EF-2A00-4D01-95A2-CBB9CC16F619}"/>
+              </a:ext>
+            </a:extLst>
+          </p:cNvPr>
+          <p:cNvCxnSpPr>
+            <a:cxnSpLocks/>
+          </p:cNvCxnSpPr>
+          <p:nvPr/>
+        </p:nvCxnSpPr>
+        <p:spPr>
+          <a:xfrm flipV="1">
+            <a:off x="19118284" y="5705295"/>
+            <a:ext cx="498338" cy="9690"/>
+          </a:xfrm>
+          <a:prstGeom prst="straightConnector1">
+            <a:avLst/>
+          </a:prstGeom>
+          <a:ln w="57150">
+            <a:solidFill>
+              <a:schemeClr val="tx1"/>
+            </a:solidFill>
+            <a:tailEnd type="triangle"/>
+          </a:ln>
+        </p:spPr>
+        <p:style>
+          <a:lnRef idx="1">
+            <a:schemeClr val="accent1"/>
+          </a:lnRef>
+          <a:fillRef idx="0">
+            <a:schemeClr val="accent1"/>
+          </a:fillRef>
+          <a:effectRef idx="0">
+            <a:schemeClr val="accent1"/>
+          </a:effectRef>
+          <a:fontRef idx="minor">
+            <a:schemeClr val="tx1"/>
+          </a:fontRef>
+        </p:style>
+      </p:cxnSp>
+      <p:cxnSp>
+        <p:nvCxnSpPr>
+          <p:cNvPr id="169" name="直接箭头连接符 168">
+            <a:extLst>
+              <a:ext uri="{FF2B5EF4-FFF2-40B4-BE49-F238E27FC236}">
+                <a16:creationId xmlns:a16="http://schemas.microsoft.com/office/drawing/2014/main" id="{1110A7AC-28C7-4713-9095-1B9FC6A281A7}"/>
+              </a:ext>
+            </a:extLst>
+          </p:cNvPr>
+          <p:cNvCxnSpPr>
+            <a:cxnSpLocks/>
+            <a:stCxn id="127" idx="0"/>
+            <a:endCxn id="143" idx="2"/>
+          </p:cNvCxnSpPr>
+          <p:nvPr/>
+        </p:nvCxnSpPr>
+        <p:spPr>
+          <a:xfrm flipH="1" flipV="1">
+            <a:off x="20624336" y="5155083"/>
+            <a:ext cx="4" cy="291674"/>
+          </a:xfrm>
+          <a:prstGeom prst="straightConnector1">
+            <a:avLst/>
+          </a:prstGeom>
+          <a:ln w="57150">
+            <a:solidFill>
+              <a:schemeClr val="tx1"/>
+            </a:solidFill>
+            <a:tailEnd type="triangle"/>
+          </a:ln>
+        </p:spPr>
+        <p:style>
+          <a:lnRef idx="1">
+            <a:schemeClr val="accent1"/>
+          </a:lnRef>
+          <a:fillRef idx="0">
+            <a:schemeClr val="accent1"/>
+          </a:fillRef>
+          <a:effectRef idx="0">
+            <a:schemeClr val="accent1"/>
+          </a:effectRef>
+          <a:fontRef idx="minor">
+            <a:schemeClr val="tx1"/>
+          </a:fontRef>
+        </p:style>
+      </p:cxnSp>
+      <p:cxnSp>
+        <p:nvCxnSpPr>
+          <p:cNvPr id="172" name="直接箭头连接符 171">
+            <a:extLst>
+              <a:ext uri="{FF2B5EF4-FFF2-40B4-BE49-F238E27FC236}">
+                <a16:creationId xmlns:a16="http://schemas.microsoft.com/office/drawing/2014/main" id="{F3713AAF-E68C-404F-BB6D-F1226FCE217E}"/>
+              </a:ext>
+            </a:extLst>
+          </p:cNvPr>
+          <p:cNvCxnSpPr>
+            <a:cxnSpLocks/>
+            <a:stCxn id="147" idx="2"/>
+            <a:endCxn id="129" idx="0"/>
+          </p:cNvCxnSpPr>
+          <p:nvPr/>
+        </p:nvCxnSpPr>
+        <p:spPr>
+          <a:xfrm>
+            <a:off x="23722035" y="5153966"/>
+            <a:ext cx="4" cy="289599"/>
+          </a:xfrm>
+          <a:prstGeom prst="straightConnector1">
+            <a:avLst/>
+          </a:prstGeom>
+          <a:ln w="57150">
+            <a:solidFill>
+              <a:schemeClr val="tx1"/>
+            </a:solidFill>
+            <a:tailEnd type="triangle"/>
+          </a:ln>
+        </p:spPr>
+        <p:style>
+          <a:lnRef idx="1">
+            <a:schemeClr val="accent1"/>
+          </a:lnRef>
+          <a:fillRef idx="0">
+            <a:schemeClr val="accent1"/>
+          </a:fillRef>
+          <a:effectRef idx="0">
+            <a:schemeClr val="accent1"/>
+          </a:effectRef>
+          <a:fontRef idx="minor">
+            <a:schemeClr val="tx1"/>
+          </a:fontRef>
+        </p:style>
+      </p:cxnSp>
+      <p:cxnSp>
+        <p:nvCxnSpPr>
+          <p:cNvPr id="175" name="直接箭头连接符 174">
+            <a:extLst>
+              <a:ext uri="{FF2B5EF4-FFF2-40B4-BE49-F238E27FC236}">
+                <a16:creationId xmlns:a16="http://schemas.microsoft.com/office/drawing/2014/main" id="{4E497672-2F81-4666-87EC-42F1631E13AE}"/>
+              </a:ext>
+            </a:extLst>
+          </p:cNvPr>
+          <p:cNvCxnSpPr>
+            <a:cxnSpLocks/>
+            <a:endCxn id="69" idx="2"/>
+          </p:cNvCxnSpPr>
+          <p:nvPr/>
+        </p:nvCxnSpPr>
+        <p:spPr>
+          <a:xfrm flipV="1">
+            <a:off x="20621303" y="7859023"/>
+            <a:ext cx="1" cy="1637221"/>
+          </a:xfrm>
+          <a:prstGeom prst="straightConnector1">
+            <a:avLst/>
+          </a:prstGeom>
+          <a:ln w="57150">
+            <a:solidFill>
+              <a:schemeClr val="tx1"/>
+            </a:solidFill>
+            <a:tailEnd type="triangle"/>
+          </a:ln>
+        </p:spPr>
+        <p:style>
+          <a:lnRef idx="1">
+            <a:schemeClr val="accent1"/>
+          </a:lnRef>
+          <a:fillRef idx="0">
+            <a:schemeClr val="accent1"/>
+          </a:fillRef>
+          <a:effectRef idx="0">
+            <a:schemeClr val="accent1"/>
+          </a:effectRef>
+          <a:fontRef idx="minor">
+            <a:schemeClr val="tx1"/>
+          </a:fontRef>
+        </p:style>
+      </p:cxnSp>
+      <p:cxnSp>
+        <p:nvCxnSpPr>
+          <p:cNvPr id="181" name="直接箭头连接符 180">
+            <a:extLst>
+              <a:ext uri="{FF2B5EF4-FFF2-40B4-BE49-F238E27FC236}">
+                <a16:creationId xmlns:a16="http://schemas.microsoft.com/office/drawing/2014/main" id="{7307E056-FC1E-43CC-9DB8-360DF1F0F97D}"/>
+              </a:ext>
+            </a:extLst>
+          </p:cNvPr>
+          <p:cNvCxnSpPr>
+            <a:cxnSpLocks/>
+            <a:stCxn id="145" idx="2"/>
+            <a:endCxn id="102" idx="0"/>
+          </p:cNvCxnSpPr>
+          <p:nvPr/>
+        </p:nvCxnSpPr>
+        <p:spPr>
+          <a:xfrm flipH="1">
+            <a:off x="23722030" y="7865976"/>
+            <a:ext cx="4" cy="1368538"/>
+          </a:xfrm>
+          <a:prstGeom prst="straightConnector1">
+            <a:avLst/>
+          </a:prstGeom>
+          <a:ln w="57150">
+            <a:solidFill>
+              <a:schemeClr val="tx1"/>
+            </a:solidFill>
+            <a:tailEnd type="triangle"/>
+          </a:ln>
+        </p:spPr>
+        <p:style>
+          <a:lnRef idx="1">
+            <a:schemeClr val="accent1"/>
+          </a:lnRef>
+          <a:fillRef idx="0">
+            <a:schemeClr val="accent1"/>
+          </a:fillRef>
+          <a:effectRef idx="0">
+            <a:schemeClr val="accent1"/>
+          </a:effectRef>
+          <a:fontRef idx="minor">
+            <a:schemeClr val="tx1"/>
+          </a:fontRef>
+        </p:style>
+      </p:cxnSp>
+      <p:cxnSp>
+        <p:nvCxnSpPr>
+          <p:cNvPr id="186" name="直接箭头连接符 185">
+            <a:extLst>
+              <a:ext uri="{FF2B5EF4-FFF2-40B4-BE49-F238E27FC236}">
+                <a16:creationId xmlns:a16="http://schemas.microsoft.com/office/drawing/2014/main" id="{66694A4F-4440-4317-8EDC-9EE4464D6E5B}"/>
+              </a:ext>
+            </a:extLst>
+          </p:cNvPr>
+          <p:cNvCxnSpPr>
+            <a:cxnSpLocks/>
+            <a:stCxn id="129" idx="3"/>
+            <a:endCxn id="137" idx="1"/>
+          </p:cNvCxnSpPr>
+          <p:nvPr/>
+        </p:nvCxnSpPr>
+        <p:spPr>
+          <a:xfrm>
+            <a:off x="24729756" y="5705295"/>
+            <a:ext cx="1560441" cy="0"/>
+          </a:xfrm>
+          <a:prstGeom prst="straightConnector1">
+            <a:avLst/>
+          </a:prstGeom>
+          <a:ln w="57150">
+            <a:solidFill>
+              <a:schemeClr val="tx1"/>
+            </a:solidFill>
+            <a:tailEnd type="triangle"/>
+          </a:ln>
+        </p:spPr>
+        <p:style>
+          <a:lnRef idx="1">
+            <a:schemeClr val="accent1"/>
+          </a:lnRef>
+          <a:fillRef idx="0">
+            <a:schemeClr val="accent1"/>
+          </a:fillRef>
+          <a:effectRef idx="0">
+            <a:schemeClr val="accent1"/>
+          </a:effectRef>
+          <a:fontRef idx="minor">
+            <a:schemeClr val="tx1"/>
+          </a:fontRef>
+        </p:style>
+      </p:cxnSp>
+      <p:sp>
+        <p:nvSpPr>
+          <p:cNvPr id="190" name="矩形 189">
+            <a:extLst>
+              <a:ext uri="{FF2B5EF4-FFF2-40B4-BE49-F238E27FC236}">
+                <a16:creationId xmlns:a16="http://schemas.microsoft.com/office/drawing/2014/main" id="{EC5953DB-0193-4786-8219-1353B0F2A62C}"/>
+              </a:ext>
+            </a:extLst>
+          </p:cNvPr>
+          <p:cNvSpPr/>
+          <p:nvPr/>
+        </p:nvSpPr>
+        <p:spPr>
+          <a:xfrm>
+            <a:off x="14138503" y="290357"/>
+            <a:ext cx="4731858" cy="6652652"/>
+          </a:xfrm>
+          <a:prstGeom prst="rect">
+            <a:avLst/>
+          </a:prstGeom>
+          <a:noFill/>
+          <a:ln w="38100">
+            <a:solidFill>
+              <a:srgbClr val="FF0000"/>
+            </a:solidFill>
+          </a:ln>
+        </p:spPr>
+        <p:style>
+          <a:lnRef idx="2">
+            <a:schemeClr val="accent1">
+              <a:shade val="50000"/>
+            </a:schemeClr>
+          </a:lnRef>
+          <a:fillRef idx="1">
+            <a:schemeClr val="accent1"/>
+          </a:fillRef>
+          <a:effectRef idx="0">
+            <a:schemeClr val="accent1"/>
+          </a:effectRef>
+          <a:fontRef idx="minor">
+            <a:schemeClr val="lt1"/>
+          </a:fontRef>
+        </p:style>
+        <p:txBody>
+          <a:bodyPr rtlCol="0" anchor="ctr"/>
+          <a:lstStyle/>
+          <a:p>
+            <a:pPr algn="ctr"/>
+            <a:endParaRPr lang="zh-CN" altLang="en-US"/>
+          </a:p>
+        </p:txBody>
+      </p:sp>
+      <p:sp>
+        <p:nvSpPr>
+          <p:cNvPr id="191" name="文本框 190">
+            <a:extLst>
+              <a:ext uri="{FF2B5EF4-FFF2-40B4-BE49-F238E27FC236}">
+                <a16:creationId xmlns:a16="http://schemas.microsoft.com/office/drawing/2014/main" id="{A8C44FE8-F873-49F9-B57A-DA47DBB62E73}"/>
+              </a:ext>
+            </a:extLst>
+          </p:cNvPr>
+          <p:cNvSpPr txBox="1"/>
+          <p:nvPr/>
+        </p:nvSpPr>
+        <p:spPr>
+          <a:xfrm>
+            <a:off x="14114217" y="6370139"/>
+            <a:ext cx="1691840" cy="369332"/>
+          </a:xfrm>
+          <a:prstGeom prst="rect">
+            <a:avLst/>
+          </a:prstGeom>
+          <a:noFill/>
+        </p:spPr>
+        <p:txBody>
+          <a:bodyPr wrap="square" rtlCol="0">
+            <a:spAutoFit/>
+          </a:bodyPr>
+          <a:lstStyle/>
+          <a:p>
+            <a:r>
+              <a:rPr lang="en-US" altLang="zh-CN" b="1" dirty="0">
+                <a:solidFill>
+                  <a:srgbClr val="FF0000"/>
+                </a:solidFill>
+                <a:latin typeface="Times New Roman" panose="02020603050405020304" pitchFamily="18" charset="0"/>
+                <a:cs typeface="Times New Roman" panose="02020603050405020304" pitchFamily="18" charset="0"/>
+              </a:rPr>
+              <a:t>CSPDarknet53</a:t>
+            </a:r>
+            <a:endParaRPr lang="zh-CN" altLang="en-US" b="1" dirty="0">
+              <a:solidFill>
+                <a:srgbClr val="FF0000"/>
+              </a:solidFill>
+              <a:latin typeface="Times New Roman" panose="02020603050405020304" pitchFamily="18" charset="0"/>
+              <a:cs typeface="Times New Roman" panose="02020603050405020304" pitchFamily="18" charset="0"/>
+            </a:endParaRPr>
+          </a:p>
+        </p:txBody>
+      </p:sp>
+      <p:sp>
+        <p:nvSpPr>
+          <p:cNvPr id="193" name="矩形 192">
+            <a:extLst>
+              <a:ext uri="{FF2B5EF4-FFF2-40B4-BE49-F238E27FC236}">
+                <a16:creationId xmlns:a16="http://schemas.microsoft.com/office/drawing/2014/main" id="{04EC14A4-30B4-4D6B-9900-F05C60D09A1B}"/>
+              </a:ext>
+            </a:extLst>
+          </p:cNvPr>
+          <p:cNvSpPr/>
+          <p:nvPr/>
+        </p:nvSpPr>
+        <p:spPr>
+          <a:xfrm flipV="1">
+            <a:off x="13838672" y="7341183"/>
+            <a:ext cx="5276576" cy="2626598"/>
+          </a:xfrm>
+          <a:prstGeom prst="rect">
+            <a:avLst/>
+          </a:prstGeom>
+          <a:noFill/>
+          <a:ln w="38100">
+            <a:solidFill>
+              <a:srgbClr val="FF0000"/>
+            </a:solidFill>
+          </a:ln>
+        </p:spPr>
+        <p:style>
+          <a:lnRef idx="2">
+            <a:schemeClr val="accent1">
+              <a:shade val="50000"/>
+            </a:schemeClr>
+          </a:lnRef>
+          <a:fillRef idx="1">
+            <a:schemeClr val="accent1"/>
+          </a:fillRef>
+          <a:effectRef idx="0">
+            <a:schemeClr val="accent1"/>
+          </a:effectRef>
+          <a:fontRef idx="minor">
+            <a:schemeClr val="lt1"/>
+          </a:fontRef>
+        </p:style>
+        <p:txBody>
+          <a:bodyPr rtlCol="0" anchor="ctr"/>
+          <a:lstStyle/>
+          <a:p>
+            <a:pPr algn="ctr"/>
+            <a:endParaRPr lang="zh-CN" altLang="en-US"/>
+          </a:p>
+        </p:txBody>
+      </p:sp>
+      <p:sp>
+        <p:nvSpPr>
+          <p:cNvPr id="195" name="文本框 194">
+            <a:extLst>
+              <a:ext uri="{FF2B5EF4-FFF2-40B4-BE49-F238E27FC236}">
+                <a16:creationId xmlns:a16="http://schemas.microsoft.com/office/drawing/2014/main" id="{D239FC59-549A-4A22-843E-FF051E79BEC3}"/>
+              </a:ext>
+            </a:extLst>
+          </p:cNvPr>
+          <p:cNvSpPr txBox="1"/>
+          <p:nvPr/>
+        </p:nvSpPr>
+        <p:spPr>
+          <a:xfrm>
+            <a:off x="14150383" y="9260081"/>
+            <a:ext cx="955671" cy="369332"/>
+          </a:xfrm>
+          <a:prstGeom prst="rect">
+            <a:avLst/>
+          </a:prstGeom>
+          <a:noFill/>
+        </p:spPr>
+        <p:txBody>
+          <a:bodyPr wrap="square" rtlCol="0">
+            <a:spAutoFit/>
+          </a:bodyPr>
+          <a:lstStyle/>
+          <a:p>
+            <a:r>
+              <a:rPr lang="en-US" altLang="zh-CN" b="1" dirty="0">
+                <a:solidFill>
+                  <a:srgbClr val="FF0000"/>
+                </a:solidFill>
+                <a:latin typeface="Times New Roman" panose="02020603050405020304" pitchFamily="18" charset="0"/>
+                <a:cs typeface="Times New Roman" panose="02020603050405020304" pitchFamily="18" charset="0"/>
+              </a:rPr>
+              <a:t>SPP</a:t>
+            </a:r>
+            <a:endParaRPr lang="zh-CN" altLang="en-US" b="1" dirty="0">
+              <a:solidFill>
+                <a:srgbClr val="FF0000"/>
+              </a:solidFill>
+              <a:latin typeface="Times New Roman" panose="02020603050405020304" pitchFamily="18" charset="0"/>
+              <a:cs typeface="Times New Roman" panose="02020603050405020304" pitchFamily="18" charset="0"/>
+            </a:endParaRPr>
+          </a:p>
+        </p:txBody>
+      </p:sp>
+      <p:sp>
+        <p:nvSpPr>
+          <p:cNvPr id="197" name="矩形 196">
+            <a:extLst>
+              <a:ext uri="{FF2B5EF4-FFF2-40B4-BE49-F238E27FC236}">
+                <a16:creationId xmlns:a16="http://schemas.microsoft.com/office/drawing/2014/main" id="{173286EC-0991-453E-9C23-1577AA6909AB}"/>
+              </a:ext>
+            </a:extLst>
+          </p:cNvPr>
+          <p:cNvSpPr/>
+          <p:nvPr/>
+        </p:nvSpPr>
+        <p:spPr>
+          <a:xfrm flipV="1">
+            <a:off x="19317344" y="3560264"/>
+            <a:ext cx="5676268" cy="6407518"/>
+          </a:xfrm>
+          <a:prstGeom prst="rect">
+            <a:avLst/>
+          </a:prstGeom>
+          <a:noFill/>
+          <a:ln w="38100">
+            <a:solidFill>
+              <a:srgbClr val="FF0000"/>
+            </a:solidFill>
+          </a:ln>
+        </p:spPr>
+        <p:style>
+          <a:lnRef idx="2">
+            <a:schemeClr val="accent1">
+              <a:shade val="50000"/>
+            </a:schemeClr>
+          </a:lnRef>
+          <a:fillRef idx="1">
+            <a:schemeClr val="accent1"/>
+          </a:fillRef>
+          <a:effectRef idx="0">
+            <a:schemeClr val="accent1"/>
+          </a:effectRef>
+          <a:fontRef idx="minor">
+            <a:schemeClr val="lt1"/>
+          </a:fontRef>
+        </p:style>
+        <p:txBody>
+          <a:bodyPr rtlCol="0" anchor="ctr"/>
+          <a:lstStyle/>
+          <a:p>
+            <a:pPr algn="ctr"/>
+            <a:endParaRPr lang="zh-CN" altLang="en-US"/>
+          </a:p>
+        </p:txBody>
+      </p:sp>
+      <p:sp>
+        <p:nvSpPr>
+          <p:cNvPr id="199" name="文本框 198">
+            <a:extLst>
+              <a:ext uri="{FF2B5EF4-FFF2-40B4-BE49-F238E27FC236}">
+                <a16:creationId xmlns:a16="http://schemas.microsoft.com/office/drawing/2014/main" id="{2251C8B9-83A2-4499-862B-749FB22B837F}"/>
+              </a:ext>
+            </a:extLst>
+          </p:cNvPr>
+          <p:cNvSpPr txBox="1"/>
+          <p:nvPr/>
+        </p:nvSpPr>
+        <p:spPr>
+          <a:xfrm>
+            <a:off x="21769487" y="6764023"/>
+            <a:ext cx="1361948" cy="369332"/>
+          </a:xfrm>
+          <a:prstGeom prst="rect">
+            <a:avLst/>
+          </a:prstGeom>
+          <a:noFill/>
+        </p:spPr>
+        <p:txBody>
+          <a:bodyPr wrap="square" rtlCol="0">
+            <a:spAutoFit/>
+          </a:bodyPr>
+          <a:lstStyle/>
+          <a:p>
+            <a:r>
+              <a:rPr lang="en-US" altLang="zh-CN" b="1" dirty="0">
+                <a:solidFill>
+                  <a:srgbClr val="FF0000"/>
+                </a:solidFill>
+                <a:latin typeface="Times New Roman" panose="02020603050405020304" pitchFamily="18" charset="0"/>
+                <a:cs typeface="Times New Roman" panose="02020603050405020304" pitchFamily="18" charset="0"/>
+              </a:rPr>
+              <a:t>PANet</a:t>
+            </a:r>
+            <a:endParaRPr lang="zh-CN" altLang="en-US" b="1" dirty="0">
+              <a:solidFill>
+                <a:srgbClr val="FF0000"/>
+              </a:solidFill>
+              <a:latin typeface="Times New Roman" panose="02020603050405020304" pitchFamily="18" charset="0"/>
+              <a:cs typeface="Times New Roman" panose="02020603050405020304" pitchFamily="18" charset="0"/>
+            </a:endParaRPr>
+          </a:p>
+        </p:txBody>
+      </p:sp>
+    </p:spTree>
+    <p:extLst>
+      <p:ext uri="{BB962C8B-B14F-4D97-AF65-F5344CB8AC3E}">
+        <p14:creationId xmlns:p14="http://schemas.microsoft.com/office/powerpoint/2010/main" val="2528927607"/>
+      </p:ext>
+    </p:extLst>
+  </p:cSld>
+  <p:clrMapOvr>
+    <a:masterClrMapping/>
+  </p:clrMapOvr>
+</p:sld>
+</file>
+
 <file path=ppt/theme/theme1.xml><?xml version="1.0" encoding="utf-8"?>
 <a:theme xmlns:a="http://schemas.openxmlformats.org/drawingml/2006/main" name="Office 主题​​">
   <a:themeElements>

--- a/检测间隔.pptx
+++ b/检测间隔.pptx
@@ -260,7 +260,7 @@
           <a:p>
             <a:fld id="{B0A481C9-A10A-4899-889D-79F51DB4956A}" type="datetimeFigureOut">
               <a:rPr lang="zh-CN" altLang="en-US" smtClean="0"/>
-              <a:t>2020/8/13 Thursday</a:t>
+              <a:t>2020/12/13 Sunday</a:t>
             </a:fld>
             <a:endParaRPr lang="zh-CN" altLang="en-US"/>
           </a:p>
@@ -458,7 +458,7 @@
           <a:p>
             <a:fld id="{B0A481C9-A10A-4899-889D-79F51DB4956A}" type="datetimeFigureOut">
               <a:rPr lang="zh-CN" altLang="en-US" smtClean="0"/>
-              <a:t>2020/8/13 Thursday</a:t>
+              <a:t>2020/12/13 Sunday</a:t>
             </a:fld>
             <a:endParaRPr lang="zh-CN" altLang="en-US"/>
           </a:p>
@@ -666,7 +666,7 @@
           <a:p>
             <a:fld id="{B0A481C9-A10A-4899-889D-79F51DB4956A}" type="datetimeFigureOut">
               <a:rPr lang="zh-CN" altLang="en-US" smtClean="0"/>
-              <a:t>2020/8/13 Thursday</a:t>
+              <a:t>2020/12/13 Sunday</a:t>
             </a:fld>
             <a:endParaRPr lang="zh-CN" altLang="en-US"/>
           </a:p>
@@ -864,7 +864,7 @@
           <a:p>
             <a:fld id="{B0A481C9-A10A-4899-889D-79F51DB4956A}" type="datetimeFigureOut">
               <a:rPr lang="zh-CN" altLang="en-US" smtClean="0"/>
-              <a:t>2020/8/13 Thursday</a:t>
+              <a:t>2020/12/13 Sunday</a:t>
             </a:fld>
             <a:endParaRPr lang="zh-CN" altLang="en-US"/>
           </a:p>
@@ -1139,7 +1139,7 @@
           <a:p>
             <a:fld id="{B0A481C9-A10A-4899-889D-79F51DB4956A}" type="datetimeFigureOut">
               <a:rPr lang="zh-CN" altLang="en-US" smtClean="0"/>
-              <a:t>2020/8/13 Thursday</a:t>
+              <a:t>2020/12/13 Sunday</a:t>
             </a:fld>
             <a:endParaRPr lang="zh-CN" altLang="en-US"/>
           </a:p>
@@ -1404,7 +1404,7 @@
           <a:p>
             <a:fld id="{B0A481C9-A10A-4899-889D-79F51DB4956A}" type="datetimeFigureOut">
               <a:rPr lang="zh-CN" altLang="en-US" smtClean="0"/>
-              <a:t>2020/8/13 Thursday</a:t>
+              <a:t>2020/12/13 Sunday</a:t>
             </a:fld>
             <a:endParaRPr lang="zh-CN" altLang="en-US"/>
           </a:p>
@@ -1816,7 +1816,7 @@
           <a:p>
             <a:fld id="{B0A481C9-A10A-4899-889D-79F51DB4956A}" type="datetimeFigureOut">
               <a:rPr lang="zh-CN" altLang="en-US" smtClean="0"/>
-              <a:t>2020/8/13 Thursday</a:t>
+              <a:t>2020/12/13 Sunday</a:t>
             </a:fld>
             <a:endParaRPr lang="zh-CN" altLang="en-US"/>
           </a:p>
@@ -1957,7 +1957,7 @@
           <a:p>
             <a:fld id="{B0A481C9-A10A-4899-889D-79F51DB4956A}" type="datetimeFigureOut">
               <a:rPr lang="zh-CN" altLang="en-US" smtClean="0"/>
-              <a:t>2020/8/13 Thursday</a:t>
+              <a:t>2020/12/13 Sunday</a:t>
             </a:fld>
             <a:endParaRPr lang="zh-CN" altLang="en-US"/>
           </a:p>
@@ -2070,7 +2070,7 @@
           <a:p>
             <a:fld id="{B0A481C9-A10A-4899-889D-79F51DB4956A}" type="datetimeFigureOut">
               <a:rPr lang="zh-CN" altLang="en-US" smtClean="0"/>
-              <a:t>2020/8/13 Thursday</a:t>
+              <a:t>2020/12/13 Sunday</a:t>
             </a:fld>
             <a:endParaRPr lang="zh-CN" altLang="en-US"/>
           </a:p>
@@ -2381,7 +2381,7 @@
           <a:p>
             <a:fld id="{B0A481C9-A10A-4899-889D-79F51DB4956A}" type="datetimeFigureOut">
               <a:rPr lang="zh-CN" altLang="en-US" smtClean="0"/>
-              <a:t>2020/8/13 Thursday</a:t>
+              <a:t>2020/12/13 Sunday</a:t>
             </a:fld>
             <a:endParaRPr lang="zh-CN" altLang="en-US"/>
           </a:p>
@@ -2669,7 +2669,7 @@
           <a:p>
             <a:fld id="{B0A481C9-A10A-4899-889D-79F51DB4956A}" type="datetimeFigureOut">
               <a:rPr lang="zh-CN" altLang="en-US" smtClean="0"/>
-              <a:t>2020/8/13 Thursday</a:t>
+              <a:t>2020/12/13 Sunday</a:t>
             </a:fld>
             <a:endParaRPr lang="zh-CN" altLang="en-US"/>
           </a:p>
@@ -2910,7 +2910,7 @@
           <a:p>
             <a:fld id="{B0A481C9-A10A-4899-889D-79F51DB4956A}" type="datetimeFigureOut">
               <a:rPr lang="zh-CN" altLang="en-US" smtClean="0"/>
-              <a:t>2020/8/13 Thursday</a:t>
+              <a:t>2020/12/13 Sunday</a:t>
             </a:fld>
             <a:endParaRPr lang="zh-CN" altLang="en-US"/>
           </a:p>
@@ -8303,6 +8303,1015 @@
           </a:p>
         </p:txBody>
       </p:sp>
+      <p:cxnSp>
+        <p:nvCxnSpPr>
+          <p:cNvPr id="4" name="直接连接符 3">
+            <a:extLst>
+              <a:ext uri="{FF2B5EF4-FFF2-40B4-BE49-F238E27FC236}">
+                <a16:creationId xmlns:a16="http://schemas.microsoft.com/office/drawing/2014/main" id="{113A2081-A8A7-49B5-BE32-21218DF1E1ED}"/>
+              </a:ext>
+            </a:extLst>
+          </p:cNvPr>
+          <p:cNvCxnSpPr/>
+          <p:nvPr/>
+        </p:nvCxnSpPr>
+        <p:spPr>
+          <a:xfrm>
+            <a:off x="2933323" y="1186004"/>
+            <a:ext cx="0" cy="0"/>
+          </a:xfrm>
+          <a:prstGeom prst="line">
+            <a:avLst/>
+          </a:prstGeom>
+        </p:spPr>
+        <p:style>
+          <a:lnRef idx="1">
+            <a:schemeClr val="accent1"/>
+          </a:lnRef>
+          <a:fillRef idx="0">
+            <a:schemeClr val="accent1"/>
+          </a:fillRef>
+          <a:effectRef idx="0">
+            <a:schemeClr val="accent1"/>
+          </a:effectRef>
+          <a:fontRef idx="minor">
+            <a:schemeClr val="tx1"/>
+          </a:fontRef>
+        </p:style>
+      </p:cxnSp>
+      <p:cxnSp>
+        <p:nvCxnSpPr>
+          <p:cNvPr id="8" name="直接连接符 7">
+            <a:extLst>
+              <a:ext uri="{FF2B5EF4-FFF2-40B4-BE49-F238E27FC236}">
+                <a16:creationId xmlns:a16="http://schemas.microsoft.com/office/drawing/2014/main" id="{B45C4D8A-336A-4365-9A83-AFBBA8EB6CFF}"/>
+              </a:ext>
+            </a:extLst>
+          </p:cNvPr>
+          <p:cNvCxnSpPr/>
+          <p:nvPr/>
+        </p:nvCxnSpPr>
+        <p:spPr>
+          <a:xfrm>
+            <a:off x="3232087" y="1345095"/>
+            <a:ext cx="0" cy="4369890"/>
+          </a:xfrm>
+          <a:prstGeom prst="line">
+            <a:avLst/>
+          </a:prstGeom>
+        </p:spPr>
+        <p:style>
+          <a:lnRef idx="1">
+            <a:schemeClr val="accent1"/>
+          </a:lnRef>
+          <a:fillRef idx="0">
+            <a:schemeClr val="accent1"/>
+          </a:fillRef>
+          <a:effectRef idx="0">
+            <a:schemeClr val="accent1"/>
+          </a:effectRef>
+          <a:fontRef idx="minor">
+            <a:schemeClr val="tx1"/>
+          </a:fontRef>
+        </p:style>
+      </p:cxnSp>
+      <p:cxnSp>
+        <p:nvCxnSpPr>
+          <p:cNvPr id="76" name="直接连接符 75">
+            <a:extLst>
+              <a:ext uri="{FF2B5EF4-FFF2-40B4-BE49-F238E27FC236}">
+                <a16:creationId xmlns:a16="http://schemas.microsoft.com/office/drawing/2014/main" id="{C86E0584-CCE2-44CD-98E8-6F28A3A48663}"/>
+              </a:ext>
+            </a:extLst>
+          </p:cNvPr>
+          <p:cNvCxnSpPr/>
+          <p:nvPr/>
+        </p:nvCxnSpPr>
+        <p:spPr>
+          <a:xfrm>
+            <a:off x="6535094" y="1345095"/>
+            <a:ext cx="0" cy="4369890"/>
+          </a:xfrm>
+          <a:prstGeom prst="line">
+            <a:avLst/>
+          </a:prstGeom>
+        </p:spPr>
+        <p:style>
+          <a:lnRef idx="1">
+            <a:schemeClr val="accent1"/>
+          </a:lnRef>
+          <a:fillRef idx="0">
+            <a:schemeClr val="accent1"/>
+          </a:fillRef>
+          <a:effectRef idx="0">
+            <a:schemeClr val="accent1"/>
+          </a:effectRef>
+          <a:fontRef idx="minor">
+            <a:schemeClr val="tx1"/>
+          </a:fontRef>
+        </p:style>
+      </p:cxnSp>
+      <p:cxnSp>
+        <p:nvCxnSpPr>
+          <p:cNvPr id="10" name="直接连接符 9">
+            <a:extLst>
+              <a:ext uri="{FF2B5EF4-FFF2-40B4-BE49-F238E27FC236}">
+                <a16:creationId xmlns:a16="http://schemas.microsoft.com/office/drawing/2014/main" id="{1FD7C25C-1243-46F5-A45B-37347869A302}"/>
+              </a:ext>
+            </a:extLst>
+          </p:cNvPr>
+          <p:cNvCxnSpPr/>
+          <p:nvPr/>
+        </p:nvCxnSpPr>
+        <p:spPr>
+          <a:xfrm>
+            <a:off x="2580238" y="5443565"/>
+            <a:ext cx="4897924" cy="0"/>
+          </a:xfrm>
+          <a:prstGeom prst="line">
+            <a:avLst/>
+          </a:prstGeom>
+        </p:spPr>
+        <p:style>
+          <a:lnRef idx="1">
+            <a:schemeClr val="accent1"/>
+          </a:lnRef>
+          <a:fillRef idx="0">
+            <a:schemeClr val="accent1"/>
+          </a:fillRef>
+          <a:effectRef idx="0">
+            <a:schemeClr val="accent1"/>
+          </a:effectRef>
+          <a:fontRef idx="minor">
+            <a:schemeClr val="tx1"/>
+          </a:fontRef>
+        </p:style>
+      </p:cxnSp>
+      <p:cxnSp>
+        <p:nvCxnSpPr>
+          <p:cNvPr id="78" name="直接连接符 77">
+            <a:extLst>
+              <a:ext uri="{FF2B5EF4-FFF2-40B4-BE49-F238E27FC236}">
+                <a16:creationId xmlns:a16="http://schemas.microsoft.com/office/drawing/2014/main" id="{643FA927-BE26-4105-8417-8C788F8B0D13}"/>
+              </a:ext>
+            </a:extLst>
+          </p:cNvPr>
+          <p:cNvCxnSpPr/>
+          <p:nvPr/>
+        </p:nvCxnSpPr>
+        <p:spPr>
+          <a:xfrm>
+            <a:off x="2580238" y="4699672"/>
+            <a:ext cx="4897924" cy="0"/>
+          </a:xfrm>
+          <a:prstGeom prst="line">
+            <a:avLst/>
+          </a:prstGeom>
+        </p:spPr>
+        <p:style>
+          <a:lnRef idx="1">
+            <a:schemeClr val="accent1"/>
+          </a:lnRef>
+          <a:fillRef idx="0">
+            <a:schemeClr val="accent1"/>
+          </a:fillRef>
+          <a:effectRef idx="0">
+            <a:schemeClr val="accent1"/>
+          </a:effectRef>
+          <a:fontRef idx="minor">
+            <a:schemeClr val="tx1"/>
+          </a:fontRef>
+        </p:style>
+      </p:cxnSp>
+      <p:cxnSp>
+        <p:nvCxnSpPr>
+          <p:cNvPr id="13" name="直接连接符 12">
+            <a:extLst>
+              <a:ext uri="{FF2B5EF4-FFF2-40B4-BE49-F238E27FC236}">
+                <a16:creationId xmlns:a16="http://schemas.microsoft.com/office/drawing/2014/main" id="{AE33A727-8837-47B1-BBA7-BFB0E47F9457}"/>
+              </a:ext>
+            </a:extLst>
+          </p:cNvPr>
+          <p:cNvCxnSpPr/>
+          <p:nvPr/>
+        </p:nvCxnSpPr>
+        <p:spPr>
+          <a:xfrm flipH="1">
+            <a:off x="2752252" y="2018923"/>
+            <a:ext cx="2172832" cy="3425279"/>
+          </a:xfrm>
+          <a:prstGeom prst="line">
+            <a:avLst/>
+          </a:prstGeom>
+        </p:spPr>
+        <p:style>
+          <a:lnRef idx="1">
+            <a:schemeClr val="accent1"/>
+          </a:lnRef>
+          <a:fillRef idx="0">
+            <a:schemeClr val="accent1"/>
+          </a:fillRef>
+          <a:effectRef idx="0">
+            <a:schemeClr val="accent1"/>
+          </a:effectRef>
+          <a:fontRef idx="minor">
+            <a:schemeClr val="tx1"/>
+          </a:fontRef>
+        </p:style>
+      </p:cxnSp>
+      <p:cxnSp>
+        <p:nvCxnSpPr>
+          <p:cNvPr id="79" name="直接连接符 78">
+            <a:extLst>
+              <a:ext uri="{FF2B5EF4-FFF2-40B4-BE49-F238E27FC236}">
+                <a16:creationId xmlns:a16="http://schemas.microsoft.com/office/drawing/2014/main" id="{2513A878-F13F-429F-87B8-BE9912E6FC6F}"/>
+              </a:ext>
+            </a:extLst>
+          </p:cNvPr>
+          <p:cNvCxnSpPr>
+            <a:cxnSpLocks/>
+          </p:cNvCxnSpPr>
+          <p:nvPr/>
+        </p:nvCxnSpPr>
+        <p:spPr>
+          <a:xfrm>
+            <a:off x="4925084" y="2018923"/>
+            <a:ext cx="2056741" cy="3424642"/>
+          </a:xfrm>
+          <a:prstGeom prst="line">
+            <a:avLst/>
+          </a:prstGeom>
+        </p:spPr>
+        <p:style>
+          <a:lnRef idx="1">
+            <a:schemeClr val="accent1"/>
+          </a:lnRef>
+          <a:fillRef idx="0">
+            <a:schemeClr val="accent1"/>
+          </a:fillRef>
+          <a:effectRef idx="0">
+            <a:schemeClr val="accent1"/>
+          </a:effectRef>
+          <a:fontRef idx="minor">
+            <a:schemeClr val="tx1"/>
+          </a:fontRef>
+        </p:style>
+      </p:cxnSp>
+      <p:cxnSp>
+        <p:nvCxnSpPr>
+          <p:cNvPr id="20" name="直接连接符 19">
+            <a:extLst>
+              <a:ext uri="{FF2B5EF4-FFF2-40B4-BE49-F238E27FC236}">
+                <a16:creationId xmlns:a16="http://schemas.microsoft.com/office/drawing/2014/main" id="{3E2FBAAF-73DF-4509-9FFD-99D1E0DAF24F}"/>
+              </a:ext>
+            </a:extLst>
+          </p:cNvPr>
+          <p:cNvCxnSpPr>
+            <a:cxnSpLocks/>
+          </p:cNvCxnSpPr>
+          <p:nvPr/>
+        </p:nvCxnSpPr>
+        <p:spPr>
+          <a:xfrm>
+            <a:off x="7278986" y="2018923"/>
+            <a:ext cx="199176" cy="0"/>
+          </a:xfrm>
+          <a:prstGeom prst="line">
+            <a:avLst/>
+          </a:prstGeom>
+        </p:spPr>
+        <p:style>
+          <a:lnRef idx="1">
+            <a:schemeClr val="accent1"/>
+          </a:lnRef>
+          <a:fillRef idx="0">
+            <a:schemeClr val="accent1"/>
+          </a:fillRef>
+          <a:effectRef idx="0">
+            <a:schemeClr val="accent1"/>
+          </a:effectRef>
+          <a:fontRef idx="minor">
+            <a:schemeClr val="tx1"/>
+          </a:fontRef>
+        </p:style>
+      </p:cxnSp>
+      <p:cxnSp>
+        <p:nvCxnSpPr>
+          <p:cNvPr id="26" name="直接箭头连接符 25">
+            <a:extLst>
+              <a:ext uri="{FF2B5EF4-FFF2-40B4-BE49-F238E27FC236}">
+                <a16:creationId xmlns:a16="http://schemas.microsoft.com/office/drawing/2014/main" id="{969FD7AF-6DE4-452D-A9C7-7CC508425628}"/>
+              </a:ext>
+            </a:extLst>
+          </p:cNvPr>
+          <p:cNvCxnSpPr/>
+          <p:nvPr/>
+        </p:nvCxnSpPr>
+        <p:spPr>
+          <a:xfrm>
+            <a:off x="7369521" y="2018923"/>
+            <a:ext cx="0" cy="2680749"/>
+          </a:xfrm>
+          <a:prstGeom prst="straightConnector1">
+            <a:avLst/>
+          </a:prstGeom>
+          <a:ln>
+            <a:headEnd type="triangle"/>
+            <a:tailEnd type="triangle"/>
+          </a:ln>
+        </p:spPr>
+        <p:style>
+          <a:lnRef idx="1">
+            <a:schemeClr val="accent1"/>
+          </a:lnRef>
+          <a:fillRef idx="0">
+            <a:schemeClr val="accent1"/>
+          </a:fillRef>
+          <a:effectRef idx="0">
+            <a:schemeClr val="accent1"/>
+          </a:effectRef>
+          <a:fontRef idx="minor">
+            <a:schemeClr val="tx1"/>
+          </a:fontRef>
+        </p:style>
+      </p:cxnSp>
+      <p:cxnSp>
+        <p:nvCxnSpPr>
+          <p:cNvPr id="86" name="直接箭头连接符 85">
+            <a:extLst>
+              <a:ext uri="{FF2B5EF4-FFF2-40B4-BE49-F238E27FC236}">
+                <a16:creationId xmlns:a16="http://schemas.microsoft.com/office/drawing/2014/main" id="{7A93705C-BECC-483E-89A6-F41E336536D4}"/>
+              </a:ext>
+            </a:extLst>
+          </p:cNvPr>
+          <p:cNvCxnSpPr>
+            <a:cxnSpLocks/>
+          </p:cNvCxnSpPr>
+          <p:nvPr/>
+        </p:nvCxnSpPr>
+        <p:spPr>
+          <a:xfrm>
+            <a:off x="7369521" y="4699672"/>
+            <a:ext cx="0" cy="743893"/>
+          </a:xfrm>
+          <a:prstGeom prst="straightConnector1">
+            <a:avLst/>
+          </a:prstGeom>
+          <a:ln>
+            <a:headEnd type="triangle"/>
+            <a:tailEnd type="triangle"/>
+          </a:ln>
+        </p:spPr>
+        <p:style>
+          <a:lnRef idx="1">
+            <a:schemeClr val="accent1"/>
+          </a:lnRef>
+          <a:fillRef idx="0">
+            <a:schemeClr val="accent1"/>
+          </a:fillRef>
+          <a:effectRef idx="0">
+            <a:schemeClr val="accent1"/>
+          </a:effectRef>
+          <a:fontRef idx="minor">
+            <a:schemeClr val="tx1"/>
+          </a:fontRef>
+        </p:style>
+      </p:cxnSp>
+      <p:sp>
+        <p:nvSpPr>
+          <p:cNvPr id="29" name="文本框 28">
+            <a:extLst>
+              <a:ext uri="{FF2B5EF4-FFF2-40B4-BE49-F238E27FC236}">
+                <a16:creationId xmlns:a16="http://schemas.microsoft.com/office/drawing/2014/main" id="{5AAB7994-E55B-485F-BE14-662AD820DF5C}"/>
+              </a:ext>
+            </a:extLst>
+          </p:cNvPr>
+          <p:cNvSpPr txBox="1"/>
+          <p:nvPr/>
+        </p:nvSpPr>
+        <p:spPr>
+          <a:xfrm>
+            <a:off x="7451003" y="4870770"/>
+            <a:ext cx="800245" cy="369332"/>
+          </a:xfrm>
+          <a:prstGeom prst="rect">
+            <a:avLst/>
+          </a:prstGeom>
+          <a:noFill/>
+        </p:spPr>
+        <p:txBody>
+          <a:bodyPr wrap="square" rtlCol="0">
+            <a:spAutoFit/>
+          </a:bodyPr>
+          <a:lstStyle/>
+          <a:p>
+            <a:r>
+              <a:rPr lang="zh-CN" altLang="en-US" dirty="0">
+                <a:latin typeface="Times New Roman" panose="02020603050405020304" pitchFamily="18" charset="0"/>
+                <a:ea typeface="宋体" panose="02010600030101010101" pitchFamily="2" charset="-122"/>
+                <a:cs typeface="Times New Roman" panose="02020603050405020304" pitchFamily="18" charset="0"/>
+              </a:rPr>
+              <a:t>焦距</a:t>
+            </a:r>
+            <a:r>
+              <a:rPr lang="en-US" altLang="zh-CN" dirty="0">
+                <a:latin typeface="Times New Roman" panose="02020603050405020304" pitchFamily="18" charset="0"/>
+                <a:ea typeface="宋体" panose="02010600030101010101" pitchFamily="2" charset="-122"/>
+                <a:cs typeface="Times New Roman" panose="02020603050405020304" pitchFamily="18" charset="0"/>
+              </a:rPr>
+              <a:t>F</a:t>
+            </a:r>
+            <a:endParaRPr lang="zh-CN" altLang="en-US" dirty="0">
+              <a:latin typeface="Times New Roman" panose="02020603050405020304" pitchFamily="18" charset="0"/>
+              <a:ea typeface="宋体" panose="02010600030101010101" pitchFamily="2" charset="-122"/>
+              <a:cs typeface="Times New Roman" panose="02020603050405020304" pitchFamily="18" charset="0"/>
+            </a:endParaRPr>
+          </a:p>
+        </p:txBody>
+      </p:sp>
+      <p:sp>
+        <p:nvSpPr>
+          <p:cNvPr id="92" name="文本框 91">
+            <a:extLst>
+              <a:ext uri="{FF2B5EF4-FFF2-40B4-BE49-F238E27FC236}">
+                <a16:creationId xmlns:a16="http://schemas.microsoft.com/office/drawing/2014/main" id="{2A914779-CA7C-49AE-9B0D-15CB02141D1A}"/>
+              </a:ext>
+            </a:extLst>
+          </p:cNvPr>
+          <p:cNvSpPr txBox="1"/>
+          <p:nvPr/>
+        </p:nvSpPr>
+        <p:spPr>
+          <a:xfrm>
+            <a:off x="2806570" y="5748698"/>
+            <a:ext cx="961173" cy="369332"/>
+          </a:xfrm>
+          <a:prstGeom prst="rect">
+            <a:avLst/>
+          </a:prstGeom>
+          <a:noFill/>
+        </p:spPr>
+        <p:txBody>
+          <a:bodyPr wrap="square" rtlCol="0">
+            <a:spAutoFit/>
+          </a:bodyPr>
+          <a:lstStyle/>
+          <a:p>
+            <a:r>
+              <a:rPr lang="zh-CN" altLang="en-US" dirty="0">
+                <a:latin typeface="宋体" panose="02010600030101010101" pitchFamily="2" charset="-122"/>
+                <a:ea typeface="宋体" panose="02010600030101010101" pitchFamily="2" charset="-122"/>
+              </a:rPr>
+              <a:t>左光轴</a:t>
+            </a:r>
+          </a:p>
+        </p:txBody>
+      </p:sp>
+      <p:sp>
+        <p:nvSpPr>
+          <p:cNvPr id="93" name="文本框 92">
+            <a:extLst>
+              <a:ext uri="{FF2B5EF4-FFF2-40B4-BE49-F238E27FC236}">
+                <a16:creationId xmlns:a16="http://schemas.microsoft.com/office/drawing/2014/main" id="{0D40B1A2-68DE-405B-9575-FF28B3178536}"/>
+              </a:ext>
+            </a:extLst>
+          </p:cNvPr>
+          <p:cNvSpPr txBox="1"/>
+          <p:nvPr/>
+        </p:nvSpPr>
+        <p:spPr>
+          <a:xfrm>
+            <a:off x="6111086" y="5748062"/>
+            <a:ext cx="961173" cy="369332"/>
+          </a:xfrm>
+          <a:prstGeom prst="rect">
+            <a:avLst/>
+          </a:prstGeom>
+          <a:noFill/>
+        </p:spPr>
+        <p:txBody>
+          <a:bodyPr wrap="square" rtlCol="0">
+            <a:spAutoFit/>
+          </a:bodyPr>
+          <a:lstStyle/>
+          <a:p>
+            <a:r>
+              <a:rPr lang="zh-CN" altLang="en-US" dirty="0">
+                <a:latin typeface="宋体" panose="02010600030101010101" pitchFamily="2" charset="-122"/>
+                <a:ea typeface="宋体" panose="02010600030101010101" pitchFamily="2" charset="-122"/>
+              </a:rPr>
+              <a:t>右光轴</a:t>
+            </a:r>
+          </a:p>
+        </p:txBody>
+      </p:sp>
+      <p:sp>
+        <p:nvSpPr>
+          <p:cNvPr id="94" name="文本框 93">
+            <a:extLst>
+              <a:ext uri="{FF2B5EF4-FFF2-40B4-BE49-F238E27FC236}">
+                <a16:creationId xmlns:a16="http://schemas.microsoft.com/office/drawing/2014/main" id="{ECFBDB95-9EE6-48EA-968A-0E450887E877}"/>
+              </a:ext>
+            </a:extLst>
+          </p:cNvPr>
+          <p:cNvSpPr txBox="1"/>
+          <p:nvPr/>
+        </p:nvSpPr>
+        <p:spPr>
+          <a:xfrm>
+            <a:off x="1183493" y="5258899"/>
+            <a:ext cx="961173" cy="369332"/>
+          </a:xfrm>
+          <a:prstGeom prst="rect">
+            <a:avLst/>
+          </a:prstGeom>
+          <a:noFill/>
+        </p:spPr>
+        <p:txBody>
+          <a:bodyPr wrap="square" rtlCol="0">
+            <a:spAutoFit/>
+          </a:bodyPr>
+          <a:lstStyle/>
+          <a:p>
+            <a:r>
+              <a:rPr lang="zh-CN" altLang="en-US" dirty="0">
+                <a:latin typeface="宋体" panose="02010600030101010101" pitchFamily="2" charset="-122"/>
+                <a:ea typeface="宋体" panose="02010600030101010101" pitchFamily="2" charset="-122"/>
+              </a:rPr>
+              <a:t>像平面</a:t>
+            </a:r>
+          </a:p>
+        </p:txBody>
+      </p:sp>
+      <p:sp>
+        <p:nvSpPr>
+          <p:cNvPr id="95" name="文本框 94">
+            <a:extLst>
+              <a:ext uri="{FF2B5EF4-FFF2-40B4-BE49-F238E27FC236}">
+                <a16:creationId xmlns:a16="http://schemas.microsoft.com/office/drawing/2014/main" id="{816D5732-9520-4DF3-9704-A1F803227E58}"/>
+              </a:ext>
+            </a:extLst>
+          </p:cNvPr>
+          <p:cNvSpPr txBox="1"/>
+          <p:nvPr/>
+        </p:nvSpPr>
+        <p:spPr>
+          <a:xfrm>
+            <a:off x="970228" y="4491105"/>
+            <a:ext cx="1151799" cy="369332"/>
+          </a:xfrm>
+          <a:prstGeom prst="rect">
+            <a:avLst/>
+          </a:prstGeom>
+          <a:noFill/>
+        </p:spPr>
+        <p:txBody>
+          <a:bodyPr wrap="square" rtlCol="0">
+            <a:spAutoFit/>
+          </a:bodyPr>
+          <a:lstStyle/>
+          <a:p>
+            <a:r>
+              <a:rPr lang="zh-CN" altLang="en-US" dirty="0">
+                <a:latin typeface="宋体" panose="02010600030101010101" pitchFamily="2" charset="-122"/>
+                <a:ea typeface="宋体" panose="02010600030101010101" pitchFamily="2" charset="-122"/>
+              </a:rPr>
+              <a:t>镜头平面</a:t>
+            </a:r>
+          </a:p>
+        </p:txBody>
+      </p:sp>
+      <p:sp>
+        <p:nvSpPr>
+          <p:cNvPr id="97" name="文本框 96">
+            <a:extLst>
+              <a:ext uri="{FF2B5EF4-FFF2-40B4-BE49-F238E27FC236}">
+                <a16:creationId xmlns:a16="http://schemas.microsoft.com/office/drawing/2014/main" id="{81340CC4-9CA9-45FE-8AA4-492332A7329A}"/>
+              </a:ext>
+            </a:extLst>
+          </p:cNvPr>
+          <p:cNvSpPr txBox="1"/>
+          <p:nvPr/>
+        </p:nvSpPr>
+        <p:spPr>
+          <a:xfrm>
+            <a:off x="7451002" y="3190932"/>
+            <a:ext cx="896291" cy="369332"/>
+          </a:xfrm>
+          <a:prstGeom prst="rect">
+            <a:avLst/>
+          </a:prstGeom>
+          <a:noFill/>
+        </p:spPr>
+        <p:txBody>
+          <a:bodyPr wrap="square" rtlCol="0">
+            <a:spAutoFit/>
+          </a:bodyPr>
+          <a:lstStyle/>
+          <a:p>
+            <a:r>
+              <a:rPr lang="zh-CN" altLang="en-US" dirty="0">
+                <a:latin typeface="Times New Roman" panose="02020603050405020304" pitchFamily="18" charset="0"/>
+                <a:ea typeface="宋体" panose="02010600030101010101" pitchFamily="2" charset="-122"/>
+                <a:cs typeface="Times New Roman" panose="02020603050405020304" pitchFamily="18" charset="0"/>
+              </a:rPr>
+              <a:t>距离</a:t>
+            </a:r>
+            <a:r>
+              <a:rPr lang="en-US" altLang="zh-CN" dirty="0">
+                <a:latin typeface="Times New Roman" panose="02020603050405020304" pitchFamily="18" charset="0"/>
+                <a:ea typeface="宋体" panose="02010600030101010101" pitchFamily="2" charset="-122"/>
+                <a:cs typeface="Times New Roman" panose="02020603050405020304" pitchFamily="18" charset="0"/>
+              </a:rPr>
+              <a:t>D</a:t>
+            </a:r>
+            <a:endParaRPr lang="zh-CN" altLang="en-US" dirty="0">
+              <a:latin typeface="Times New Roman" panose="02020603050405020304" pitchFamily="18" charset="0"/>
+              <a:ea typeface="宋体" panose="02010600030101010101" pitchFamily="2" charset="-122"/>
+              <a:cs typeface="Times New Roman" panose="02020603050405020304" pitchFamily="18" charset="0"/>
+            </a:endParaRPr>
+          </a:p>
+        </p:txBody>
+      </p:sp>
+      <p:cxnSp>
+        <p:nvCxnSpPr>
+          <p:cNvPr id="31" name="直接箭头连接符 30">
+            <a:extLst>
+              <a:ext uri="{FF2B5EF4-FFF2-40B4-BE49-F238E27FC236}">
+                <a16:creationId xmlns:a16="http://schemas.microsoft.com/office/drawing/2014/main" id="{633BAEFE-61D2-4036-BA1F-777C93B86BBC}"/>
+              </a:ext>
+            </a:extLst>
+          </p:cNvPr>
+          <p:cNvCxnSpPr/>
+          <p:nvPr/>
+        </p:nvCxnSpPr>
+        <p:spPr>
+          <a:xfrm>
+            <a:off x="3232087" y="5604093"/>
+            <a:ext cx="3303007" cy="0"/>
+          </a:xfrm>
+          <a:prstGeom prst="straightConnector1">
+            <a:avLst/>
+          </a:prstGeom>
+          <a:ln>
+            <a:headEnd type="triangle"/>
+            <a:tailEnd type="triangle"/>
+          </a:ln>
+        </p:spPr>
+        <p:style>
+          <a:lnRef idx="1">
+            <a:schemeClr val="accent1"/>
+          </a:lnRef>
+          <a:fillRef idx="0">
+            <a:schemeClr val="accent1"/>
+          </a:fillRef>
+          <a:effectRef idx="0">
+            <a:schemeClr val="accent1"/>
+          </a:effectRef>
+          <a:fontRef idx="minor">
+            <a:schemeClr val="tx1"/>
+          </a:fontRef>
+        </p:style>
+      </p:cxnSp>
+      <p:sp>
+        <p:nvSpPr>
+          <p:cNvPr id="99" name="文本框 98">
+            <a:extLst>
+              <a:ext uri="{FF2B5EF4-FFF2-40B4-BE49-F238E27FC236}">
+                <a16:creationId xmlns:a16="http://schemas.microsoft.com/office/drawing/2014/main" id="{369EFB94-C9F8-477B-B350-1FC3B84EB95A}"/>
+              </a:ext>
+            </a:extLst>
+          </p:cNvPr>
+          <p:cNvSpPr txBox="1"/>
+          <p:nvPr/>
+        </p:nvSpPr>
+        <p:spPr>
+          <a:xfrm>
+            <a:off x="4067021" y="5628231"/>
+            <a:ext cx="1277721" cy="369332"/>
+          </a:xfrm>
+          <a:prstGeom prst="rect">
+            <a:avLst/>
+          </a:prstGeom>
+          <a:noFill/>
+        </p:spPr>
+        <p:txBody>
+          <a:bodyPr wrap="square" rtlCol="0">
+            <a:spAutoFit/>
+          </a:bodyPr>
+          <a:lstStyle/>
+          <a:p>
+            <a:r>
+              <a:rPr lang="zh-CN" altLang="en-US" dirty="0">
+                <a:latin typeface="Times New Roman" panose="02020603050405020304" pitchFamily="18" charset="0"/>
+                <a:ea typeface="宋体" panose="02010600030101010101" pitchFamily="2" charset="-122"/>
+                <a:cs typeface="Times New Roman" panose="02020603050405020304" pitchFamily="18" charset="0"/>
+              </a:rPr>
+              <a:t>光轴间距</a:t>
+            </a:r>
+            <a:r>
+              <a:rPr lang="en-US" altLang="zh-CN" dirty="0">
+                <a:latin typeface="Times New Roman" panose="02020603050405020304" pitchFamily="18" charset="0"/>
+                <a:ea typeface="宋体" panose="02010600030101010101" pitchFamily="2" charset="-122"/>
+                <a:cs typeface="Times New Roman" panose="02020603050405020304" pitchFamily="18" charset="0"/>
+              </a:rPr>
+              <a:t>T</a:t>
+            </a:r>
+            <a:endParaRPr lang="zh-CN" altLang="en-US" dirty="0">
+              <a:latin typeface="Times New Roman" panose="02020603050405020304" pitchFamily="18" charset="0"/>
+              <a:ea typeface="宋体" panose="02010600030101010101" pitchFamily="2" charset="-122"/>
+              <a:cs typeface="Times New Roman" panose="02020603050405020304" pitchFamily="18" charset="0"/>
+            </a:endParaRPr>
+          </a:p>
+        </p:txBody>
+      </p:sp>
+      <p:sp>
+        <p:nvSpPr>
+          <p:cNvPr id="100" name="文本框 99">
+            <a:extLst>
+              <a:ext uri="{FF2B5EF4-FFF2-40B4-BE49-F238E27FC236}">
+                <a16:creationId xmlns:a16="http://schemas.microsoft.com/office/drawing/2014/main" id="{F68A6186-595B-4F86-AD0D-523192826F04}"/>
+              </a:ext>
+            </a:extLst>
+          </p:cNvPr>
+          <p:cNvSpPr txBox="1"/>
+          <p:nvPr/>
+        </p:nvSpPr>
+        <p:spPr>
+          <a:xfrm>
+            <a:off x="4548613" y="1606825"/>
+            <a:ext cx="961173" cy="369332"/>
+          </a:xfrm>
+          <a:prstGeom prst="rect">
+            <a:avLst/>
+          </a:prstGeom>
+          <a:noFill/>
+        </p:spPr>
+        <p:txBody>
+          <a:bodyPr wrap="square" rtlCol="0">
+            <a:spAutoFit/>
+          </a:bodyPr>
+          <a:lstStyle/>
+          <a:p>
+            <a:r>
+              <a:rPr lang="zh-CN" altLang="en-US" dirty="0">
+                <a:latin typeface="Times New Roman" panose="02020603050405020304" pitchFamily="18" charset="0"/>
+                <a:ea typeface="宋体" panose="02010600030101010101" pitchFamily="2" charset="-122"/>
+                <a:cs typeface="Times New Roman" panose="02020603050405020304" pitchFamily="18" charset="0"/>
+              </a:rPr>
+              <a:t>物体</a:t>
+            </a:r>
+            <a:r>
+              <a:rPr lang="en-US" altLang="zh-CN" dirty="0">
+                <a:latin typeface="Times New Roman" panose="02020603050405020304" pitchFamily="18" charset="0"/>
+                <a:ea typeface="宋体" panose="02010600030101010101" pitchFamily="2" charset="-122"/>
+                <a:cs typeface="Times New Roman" panose="02020603050405020304" pitchFamily="18" charset="0"/>
+              </a:rPr>
+              <a:t>Q</a:t>
+            </a:r>
+            <a:endParaRPr lang="zh-CN" altLang="en-US" dirty="0">
+              <a:latin typeface="Times New Roman" panose="02020603050405020304" pitchFamily="18" charset="0"/>
+              <a:ea typeface="宋体" panose="02010600030101010101" pitchFamily="2" charset="-122"/>
+              <a:cs typeface="Times New Roman" panose="02020603050405020304" pitchFamily="18" charset="0"/>
+            </a:endParaRPr>
+          </a:p>
+        </p:txBody>
+      </p:sp>
+      <p:sp>
+        <p:nvSpPr>
+          <p:cNvPr id="101" name="文本框 100">
+            <a:extLst>
+              <a:ext uri="{FF2B5EF4-FFF2-40B4-BE49-F238E27FC236}">
+                <a16:creationId xmlns:a16="http://schemas.microsoft.com/office/drawing/2014/main" id="{E28E8B65-69CE-43D8-A0C9-990B34972FB3}"/>
+              </a:ext>
+            </a:extLst>
+          </p:cNvPr>
+          <p:cNvSpPr txBox="1"/>
+          <p:nvPr/>
+        </p:nvSpPr>
+        <p:spPr>
+          <a:xfrm>
+            <a:off x="2572691" y="5444401"/>
+            <a:ext cx="486605" cy="369332"/>
+          </a:xfrm>
+          <a:prstGeom prst="rect">
+            <a:avLst/>
+          </a:prstGeom>
+          <a:noFill/>
+        </p:spPr>
+        <p:txBody>
+          <a:bodyPr wrap="square" rtlCol="0">
+            <a:spAutoFit/>
+          </a:bodyPr>
+          <a:lstStyle/>
+          <a:p>
+            <a:r>
+              <a:rPr lang="en-US" altLang="zh-CN" dirty="0">
+                <a:latin typeface="Times New Roman" panose="02020603050405020304" pitchFamily="18" charset="0"/>
+                <a:ea typeface="宋体" panose="02010600030101010101" pitchFamily="2" charset="-122"/>
+                <a:cs typeface="Times New Roman" panose="02020603050405020304" pitchFamily="18" charset="0"/>
+              </a:rPr>
+              <a:t>X1</a:t>
+            </a:r>
+            <a:endParaRPr lang="zh-CN" altLang="en-US" dirty="0">
+              <a:latin typeface="Times New Roman" panose="02020603050405020304" pitchFamily="18" charset="0"/>
+              <a:ea typeface="宋体" panose="02010600030101010101" pitchFamily="2" charset="-122"/>
+              <a:cs typeface="Times New Roman" panose="02020603050405020304" pitchFamily="18" charset="0"/>
+            </a:endParaRPr>
+          </a:p>
+        </p:txBody>
+      </p:sp>
+      <p:sp>
+        <p:nvSpPr>
+          <p:cNvPr id="103" name="文本框 102">
+            <a:extLst>
+              <a:ext uri="{FF2B5EF4-FFF2-40B4-BE49-F238E27FC236}">
+                <a16:creationId xmlns:a16="http://schemas.microsoft.com/office/drawing/2014/main" id="{12473EA8-C2B0-4E1B-A2F5-A2F5C10D3B94}"/>
+              </a:ext>
+            </a:extLst>
+          </p:cNvPr>
+          <p:cNvSpPr txBox="1"/>
+          <p:nvPr/>
+        </p:nvSpPr>
+        <p:spPr>
+          <a:xfrm>
+            <a:off x="6780216" y="5451642"/>
+            <a:ext cx="546882" cy="369332"/>
+          </a:xfrm>
+          <a:prstGeom prst="rect">
+            <a:avLst/>
+          </a:prstGeom>
+          <a:noFill/>
+        </p:spPr>
+        <p:txBody>
+          <a:bodyPr wrap="square" rtlCol="0">
+            <a:spAutoFit/>
+          </a:bodyPr>
+          <a:lstStyle/>
+          <a:p>
+            <a:r>
+              <a:rPr lang="en-US" altLang="zh-CN" dirty="0">
+                <a:latin typeface="Times New Roman" panose="02020603050405020304" pitchFamily="18" charset="0"/>
+                <a:ea typeface="宋体" panose="02010600030101010101" pitchFamily="2" charset="-122"/>
+                <a:cs typeface="Times New Roman" panose="02020603050405020304" pitchFamily="18" charset="0"/>
+              </a:rPr>
+              <a:t>X2</a:t>
+            </a:r>
+            <a:endParaRPr lang="zh-CN" altLang="en-US" dirty="0">
+              <a:latin typeface="Times New Roman" panose="02020603050405020304" pitchFamily="18" charset="0"/>
+              <a:ea typeface="宋体" panose="02010600030101010101" pitchFamily="2" charset="-122"/>
+              <a:cs typeface="Times New Roman" panose="02020603050405020304" pitchFamily="18" charset="0"/>
+            </a:endParaRPr>
+          </a:p>
+        </p:txBody>
+      </p:sp>
+      <p:sp>
+        <p:nvSpPr>
+          <p:cNvPr id="32" name="星形: 四角 31">
+            <a:extLst>
+              <a:ext uri="{FF2B5EF4-FFF2-40B4-BE49-F238E27FC236}">
+                <a16:creationId xmlns:a16="http://schemas.microsoft.com/office/drawing/2014/main" id="{8D29BC53-DF50-49D7-AC0F-B27C7EE5769F}"/>
+              </a:ext>
+            </a:extLst>
+          </p:cNvPr>
+          <p:cNvSpPr/>
+          <p:nvPr/>
+        </p:nvSpPr>
+        <p:spPr>
+          <a:xfrm>
+            <a:off x="2661712" y="5350600"/>
+            <a:ext cx="161455" cy="174560"/>
+          </a:xfrm>
+          <a:prstGeom prst="star4">
+            <a:avLst/>
+          </a:prstGeom>
+          <a:solidFill>
+            <a:srgbClr val="FF0000"/>
+          </a:solidFill>
+          <a:ln>
+            <a:solidFill>
+              <a:srgbClr val="FF0000"/>
+            </a:solidFill>
+          </a:ln>
+        </p:spPr>
+        <p:style>
+          <a:lnRef idx="2">
+            <a:schemeClr val="accent1">
+              <a:shade val="50000"/>
+            </a:schemeClr>
+          </a:lnRef>
+          <a:fillRef idx="1">
+            <a:schemeClr val="accent1"/>
+          </a:fillRef>
+          <a:effectRef idx="0">
+            <a:schemeClr val="accent1"/>
+          </a:effectRef>
+          <a:fontRef idx="minor">
+            <a:schemeClr val="lt1"/>
+          </a:fontRef>
+        </p:style>
+        <p:txBody>
+          <a:bodyPr rtlCol="0" anchor="ctr"/>
+          <a:lstStyle/>
+          <a:p>
+            <a:pPr algn="ctr"/>
+            <a:endParaRPr lang="zh-CN" altLang="en-US"/>
+          </a:p>
+        </p:txBody>
+      </p:sp>
+      <p:sp>
+        <p:nvSpPr>
+          <p:cNvPr id="104" name="星形: 四角 103">
+            <a:extLst>
+              <a:ext uri="{FF2B5EF4-FFF2-40B4-BE49-F238E27FC236}">
+                <a16:creationId xmlns:a16="http://schemas.microsoft.com/office/drawing/2014/main" id="{AFA00C04-543F-46AE-BE54-F63E61964CC6}"/>
+              </a:ext>
+            </a:extLst>
+          </p:cNvPr>
+          <p:cNvSpPr/>
+          <p:nvPr/>
+        </p:nvSpPr>
+        <p:spPr>
+          <a:xfrm>
+            <a:off x="6897235" y="5349091"/>
+            <a:ext cx="161455" cy="174560"/>
+          </a:xfrm>
+          <a:prstGeom prst="star4">
+            <a:avLst/>
+          </a:prstGeom>
+          <a:solidFill>
+            <a:srgbClr val="FF0000"/>
+          </a:solidFill>
+          <a:ln>
+            <a:solidFill>
+              <a:srgbClr val="FF0000"/>
+            </a:solidFill>
+          </a:ln>
+        </p:spPr>
+        <p:style>
+          <a:lnRef idx="2">
+            <a:schemeClr val="accent1">
+              <a:shade val="50000"/>
+            </a:schemeClr>
+          </a:lnRef>
+          <a:fillRef idx="1">
+            <a:schemeClr val="accent1"/>
+          </a:fillRef>
+          <a:effectRef idx="0">
+            <a:schemeClr val="accent1"/>
+          </a:effectRef>
+          <a:fontRef idx="minor">
+            <a:schemeClr val="lt1"/>
+          </a:fontRef>
+        </p:style>
+        <p:txBody>
+          <a:bodyPr rtlCol="0" anchor="ctr"/>
+          <a:lstStyle/>
+          <a:p>
+            <a:pPr algn="ctr"/>
+            <a:endParaRPr lang="zh-CN" altLang="en-US"/>
+          </a:p>
+        </p:txBody>
+      </p:sp>
+      <p:sp>
+        <p:nvSpPr>
+          <p:cNvPr id="106" name="文本框 105">
+            <a:extLst>
+              <a:ext uri="{FF2B5EF4-FFF2-40B4-BE49-F238E27FC236}">
+                <a16:creationId xmlns:a16="http://schemas.microsoft.com/office/drawing/2014/main" id="{4F10EB0E-CF8B-408A-A282-720B9925FB22}"/>
+              </a:ext>
+            </a:extLst>
+          </p:cNvPr>
+          <p:cNvSpPr txBox="1"/>
+          <p:nvPr/>
+        </p:nvSpPr>
+        <p:spPr>
+          <a:xfrm>
+            <a:off x="3767743" y="867091"/>
+            <a:ext cx="2501111" cy="461665"/>
+          </a:xfrm>
+          <a:prstGeom prst="rect">
+            <a:avLst/>
+          </a:prstGeom>
+          <a:noFill/>
+        </p:spPr>
+        <p:txBody>
+          <a:bodyPr wrap="square" rtlCol="0">
+            <a:spAutoFit/>
+          </a:bodyPr>
+          <a:lstStyle/>
+          <a:p>
+            <a:r>
+              <a:rPr lang="zh-CN" altLang="en-US" sz="2400" dirty="0">
+                <a:latin typeface="楷体" panose="02010609060101010101" pitchFamily="49" charset="-122"/>
+                <a:ea typeface="楷体" panose="02010609060101010101" pitchFamily="49" charset="-122"/>
+                <a:cs typeface="Times New Roman" panose="02020603050405020304" pitchFamily="18" charset="0"/>
+              </a:rPr>
+              <a:t>双目测距原理图</a:t>
+            </a:r>
+          </a:p>
+        </p:txBody>
+      </p:sp>
     </p:spTree>
     <p:extLst>
       <p:ext uri="{BB962C8B-B14F-4D97-AF65-F5344CB8AC3E}">
